--- a/data/geografija/prezentacije/F2_G2_001_Geografski_polozaj_Hrvatske.pptx
+++ b/data/geografija/prezentacije/F2_G2_001_Geografski_polozaj_Hrvatske.pptx
@@ -6,23 +6,20 @@
     <p:sldMasterId id="2147483661" r:id="rId2"/>
   </p:sldMasterIdLst>
   <p:notesMasterIdLst>
-    <p:notesMasterId r:id="rId17"/>
+    <p:notesMasterId r:id="rId14"/>
   </p:notesMasterIdLst>
   <p:sldIdLst>
-    <p:sldId id="350" r:id="rId3"/>
-    <p:sldId id="342" r:id="rId4"/>
-    <p:sldId id="360" r:id="rId5"/>
-    <p:sldId id="361" r:id="rId6"/>
-    <p:sldId id="364" r:id="rId7"/>
-    <p:sldId id="365" r:id="rId8"/>
-    <p:sldId id="362" r:id="rId9"/>
-    <p:sldId id="366" r:id="rId10"/>
-    <p:sldId id="367" r:id="rId11"/>
-    <p:sldId id="363" r:id="rId12"/>
-    <p:sldId id="368" r:id="rId13"/>
-    <p:sldId id="369" r:id="rId14"/>
-    <p:sldId id="358" r:id="rId15"/>
-    <p:sldId id="359" r:id="rId16"/>
+    <p:sldId id="360" r:id="rId3"/>
+    <p:sldId id="361" r:id="rId4"/>
+    <p:sldId id="364" r:id="rId5"/>
+    <p:sldId id="365" r:id="rId6"/>
+    <p:sldId id="362" r:id="rId7"/>
+    <p:sldId id="366" r:id="rId8"/>
+    <p:sldId id="367" r:id="rId9"/>
+    <p:sldId id="363" r:id="rId10"/>
+    <p:sldId id="368" r:id="rId11"/>
+    <p:sldId id="369" r:id="rId12"/>
+    <p:sldId id="358" r:id="rId13"/>
   </p:sldIdLst>
   <p:sldSz cx="9144000" cy="6858000" type="screen4x3"/>
   <p:notesSz cx="6858000" cy="9144000"/>
@@ -7080,6 +7077,45 @@
           <a:chExt cx="0" cy="0"/>
         </a:xfrm>
       </p:grpSpPr>
+      <p:pic>
+        <p:nvPicPr>
+          <p:cNvPr id="1026" name="Picture 2"/>
+          <p:cNvPicPr>
+            <a:picLocks noChangeAspect="1" noChangeArrowheads="1"/>
+          </p:cNvPicPr>
+          <p:nvPr/>
+        </p:nvPicPr>
+        <p:blipFill rotWithShape="1">
+          <a:blip r:embed="rId2" cstate="email">
+            <a:extLst>
+              <a:ext uri="{28A0092B-C50C-407E-A947-70E740481C1C}">
+                <a14:useLocalDpi xmlns:a14="http://schemas.microsoft.com/office/drawing/2010/main" val="0"/>
+              </a:ext>
+            </a:extLst>
+          </a:blip>
+          <a:srcRect b="-1"/>
+          <a:stretch/>
+        </p:blipFill>
+        <p:spPr bwMode="auto">
+          <a:xfrm>
+            <a:off x="1869767" y="0"/>
+            <a:ext cx="7310744" cy="6858000"/>
+          </a:xfrm>
+          <a:prstGeom prst="rect">
+            <a:avLst/>
+          </a:prstGeom>
+          <a:noFill/>
+          <a:extLst>
+            <a:ext uri="{909E8E84-426E-40DD-AFC4-6F175D3DCCD1}">
+              <a14:hiddenFill xmlns:a14="http://schemas.microsoft.com/office/drawing/2010/main">
+                <a:solidFill>
+                  <a:srgbClr val="FFFFFF"/>
+                </a:solidFill>
+              </a14:hiddenFill>
+            </a:ext>
+          </a:extLst>
+        </p:spPr>
+      </p:pic>
       <p:sp>
         <p:nvSpPr>
           <p:cNvPr id="2" name="Naslov 1"/>
@@ -7090,22 +7126,17 @@
             <p:ph type="ctrTitle"/>
           </p:nvPr>
         </p:nvSpPr>
-        <p:spPr>
-          <a:xfrm>
-            <a:off x="0" y="5489848"/>
-            <a:ext cx="9108504" cy="1368152"/>
-          </a:xfrm>
-        </p:spPr>
+        <p:spPr/>
         <p:txBody>
           <a:bodyPr>
-            <a:noAutofit/>
+            <a:normAutofit/>
           </a:bodyPr>
           <a:lstStyle/>
           <a:p>
             <a:r>
-              <a:rPr lang="hr-HR" sz="7200" b="1" spc="-150" dirty="0" smtClean="0">
+              <a:rPr lang="hr-HR" sz="4800" b="1" dirty="0" smtClean="0">
                 <a:solidFill>
-                  <a:srgbClr val="008000"/>
+                  <a:srgbClr val="FF0000"/>
                 </a:solidFill>
                 <a:effectLst>
                   <a:outerShdw blurRad="38100" dist="38100" dir="2700000" algn="tl">
@@ -7115,11 +7146,11 @@
                   </a:outerShdw>
                 </a:effectLst>
               </a:rPr>
-              <a:t>GIBANJE ZEMLJE</a:t>
-            </a:r>
-            <a:endParaRPr lang="hr-HR" sz="7200" spc="-150" dirty="0">
+              <a:t>Geografski položaj Hrvatske</a:t>
+            </a:r>
+            <a:endParaRPr lang="hr-HR" sz="4800" dirty="0">
               <a:solidFill>
-                <a:srgbClr val="008000"/>
+                <a:srgbClr val="FF0000"/>
               </a:solidFill>
               <a:effectLst>
                 <a:outerShdw blurRad="38100" dist="38100" dir="2700000" algn="tl">
@@ -7135,20 +7166,20 @@
     </p:spTree>
     <p:extLst>
       <p:ext uri="{BB962C8B-B14F-4D97-AF65-F5344CB8AC3E}">
-        <p14:creationId xmlns:p14="http://schemas.microsoft.com/office/powerpoint/2010/main" val="3395949344"/>
+        <p14:creationId xmlns:p14="http://schemas.microsoft.com/office/powerpoint/2010/main" val="3325233708"/>
       </p:ext>
     </p:extLst>
   </p:cSld>
   <p:clrMapOvr>
     <a:masterClrMapping/>
   </p:clrMapOvr>
-  <mc:AlternateContent xmlns:mc="http://schemas.openxmlformats.org/markup-compatibility/2006">
-    <mc:Choice xmlns:p14="http://schemas.microsoft.com/office/powerpoint/2010/main" Requires="p14">
+  <mc:AlternateContent xmlns:mc="http://schemas.openxmlformats.org/markup-compatibility/2006" xmlns:p14="http://schemas.microsoft.com/office/powerpoint/2010/main">
+    <mc:Choice Requires="p14">
       <p:transition>
         <p14:reveal/>
       </p:transition>
     </mc:Choice>
-    <mc:Fallback>
+    <mc:Fallback xmlns="">
       <p:transition>
         <p:fade/>
       </p:transition>
@@ -7157,1686 +7188,14 @@
   <p:timing>
     <p:tnLst>
       <p:par>
-        <p:cTn id="1" dur="indefinite" restart="never" nodeType="tmRoot">
-          <p:childTnLst>
-            <p:seq concurrent="1" nextAc="seek">
-              <p:cTn id="2" dur="indefinite" nodeType="mainSeq">
-                <p:childTnLst>
-                  <p:par>
-                    <p:cTn id="3" fill="hold">
-                      <p:stCondLst>
-                        <p:cond delay="indefinite"/>
-                        <p:cond evt="onBegin" delay="0">
-                          <p:tn val="2"/>
-                        </p:cond>
-                      </p:stCondLst>
-                      <p:childTnLst>
-                        <p:par>
-                          <p:cTn id="4" fill="hold">
-                            <p:stCondLst>
-                              <p:cond delay="0"/>
-                            </p:stCondLst>
-                            <p:childTnLst>
-                              <p:par>
-                                <p:cTn id="5" presetID="10" presetClass="entr" presetSubtype="0" fill="hold" grpId="0" nodeType="afterEffect">
-                                  <p:stCondLst>
-                                    <p:cond delay="0"/>
-                                  </p:stCondLst>
-                                  <p:childTnLst>
-                                    <p:set>
-                                      <p:cBhvr>
-                                        <p:cTn id="6" dur="1" fill="hold">
-                                          <p:stCondLst>
-                                            <p:cond delay="0"/>
-                                          </p:stCondLst>
-                                        </p:cTn>
-                                        <p:tgtEl>
-                                          <p:spTgt spid="2"/>
-                                        </p:tgtEl>
-                                        <p:attrNameLst>
-                                          <p:attrName>style.visibility</p:attrName>
-                                        </p:attrNameLst>
-                                      </p:cBhvr>
-                                      <p:to>
-                                        <p:strVal val="visible"/>
-                                      </p:to>
-                                    </p:set>
-                                    <p:animEffect transition="in" filter="fade">
-                                      <p:cBhvr>
-                                        <p:cTn id="7" dur="250"/>
-                                        <p:tgtEl>
-                                          <p:spTgt spid="2"/>
-                                        </p:tgtEl>
-                                      </p:cBhvr>
-                                    </p:animEffect>
-                                  </p:childTnLst>
-                                </p:cTn>
-                              </p:par>
-                            </p:childTnLst>
-                          </p:cTn>
-                        </p:par>
-                      </p:childTnLst>
-                    </p:cTn>
-                  </p:par>
-                </p:childTnLst>
-              </p:cTn>
-              <p:prevCondLst>
-                <p:cond evt="onPrev" delay="0">
-                  <p:tgtEl>
-                    <p:sldTgt/>
-                  </p:tgtEl>
-                </p:cond>
-              </p:prevCondLst>
-              <p:nextCondLst>
-                <p:cond evt="onNext" delay="0">
-                  <p:tgtEl>
-                    <p:sldTgt/>
-                  </p:tgtEl>
-                </p:cond>
-              </p:nextCondLst>
-            </p:seq>
-          </p:childTnLst>
-        </p:cTn>
+        <p:cTn id="1" dur="indefinite" restart="never" nodeType="tmRoot"/>
       </p:par>
     </p:tnLst>
-    <p:bldLst>
-      <p:bldP spid="2" grpId="0"/>
-    </p:bldLst>
   </p:timing>
 </p:sld>
 </file>
 
 <file path=ppt/slides/slide10.xml><?xml version="1.0" encoding="utf-8"?>
-<p:sld xmlns:a="http://schemas.openxmlformats.org/drawingml/2006/main" xmlns:r="http://schemas.openxmlformats.org/officeDocument/2006/relationships" xmlns:p="http://schemas.openxmlformats.org/presentationml/2006/main">
-  <p:cSld>
-    <p:spTree>
-      <p:nvGrpSpPr>
-        <p:cNvPr id="1" name=""/>
-        <p:cNvGrpSpPr/>
-        <p:nvPr/>
-      </p:nvGrpSpPr>
-      <p:grpSpPr>
-        <a:xfrm>
-          <a:off x="0" y="0"/>
-          <a:ext cx="0" cy="0"/>
-          <a:chOff x="0" y="0"/>
-          <a:chExt cx="0" cy="0"/>
-        </a:xfrm>
-      </p:grpSpPr>
-      <p:sp>
-        <p:nvSpPr>
-          <p:cNvPr id="2" name="Title 1"/>
-          <p:cNvSpPr>
-            <a:spLocks noGrp="1"/>
-          </p:cNvSpPr>
-          <p:nvPr>
-            <p:ph type="title"/>
-          </p:nvPr>
-        </p:nvSpPr>
-        <p:spPr/>
-        <p:txBody>
-          <a:bodyPr/>
-          <a:lstStyle/>
-          <a:p>
-            <a:r>
-              <a:rPr lang="hr-HR" sz="4000" b="1" dirty="0" smtClean="0">
-                <a:solidFill>
-                  <a:srgbClr val="FF0000"/>
-                </a:solidFill>
-              </a:rPr>
-              <a:t>GRANICE RH</a:t>
-            </a:r>
-            <a:endParaRPr lang="hr-HR" b="1" dirty="0">
-              <a:solidFill>
-                <a:srgbClr val="FF0000"/>
-              </a:solidFill>
-            </a:endParaRPr>
-          </a:p>
-        </p:txBody>
-      </p:sp>
-      <p:pic>
-        <p:nvPicPr>
-          <p:cNvPr id="4" name="Picture 2"/>
-          <p:cNvPicPr>
-            <a:picLocks noChangeAspect="1" noChangeArrowheads="1"/>
-          </p:cNvPicPr>
-          <p:nvPr/>
-        </p:nvPicPr>
-        <p:blipFill>
-          <a:blip r:embed="rId2">
-            <a:extLst>
-              <a:ext uri="{BEBA8EAE-BF5A-486C-A8C5-ECC9F3942E4B}">
-                <a14:imgProps xmlns:a14="http://schemas.microsoft.com/office/drawing/2010/main">
-                  <a14:imgLayer r:embed="rId3">
-                    <a14:imgEffect>
-                      <a14:sharpenSoften amount="25000"/>
-                    </a14:imgEffect>
-                  </a14:imgLayer>
-                </a14:imgProps>
-              </a:ext>
-              <a:ext uri="{28A0092B-C50C-407E-A947-70E740481C1C}">
-                <a14:useLocalDpi xmlns:a14="http://schemas.microsoft.com/office/drawing/2010/main" val="0"/>
-              </a:ext>
-            </a:extLst>
-          </a:blip>
-          <a:srcRect/>
-          <a:stretch>
-            <a:fillRect/>
-          </a:stretch>
-        </p:blipFill>
-        <p:spPr bwMode="auto">
-          <a:xfrm>
-            <a:off x="2929944" y="65403"/>
-            <a:ext cx="6237868" cy="6792597"/>
-          </a:xfrm>
-          <a:prstGeom prst="rect">
-            <a:avLst/>
-          </a:prstGeom>
-          <a:noFill/>
-          <a:ln>
-            <a:noFill/>
-          </a:ln>
-          <a:effectLst/>
-          <a:extLst>
-            <a:ext uri="{909E8E84-426E-40DD-AFC4-6F175D3DCCD1}">
-              <a14:hiddenFill xmlns:a14="http://schemas.microsoft.com/office/drawing/2010/main">
-                <a:solidFill>
-                  <a:schemeClr val="accent1"/>
-                </a:solidFill>
-              </a14:hiddenFill>
-            </a:ext>
-            <a:ext uri="{91240B29-F687-4F45-9708-019B960494DF}">
-              <a14:hiddenLine xmlns:a14="http://schemas.microsoft.com/office/drawing/2010/main" w="9525">
-                <a:solidFill>
-                  <a:schemeClr val="tx1"/>
-                </a:solidFill>
-                <a:miter lim="800000"/>
-                <a:headEnd/>
-                <a:tailEnd/>
-              </a14:hiddenLine>
-            </a:ext>
-            <a:ext uri="{AF507438-7753-43E0-B8FC-AC1667EBCBE1}">
-              <a14:hiddenEffects xmlns:a14="http://schemas.microsoft.com/office/drawing/2010/main">
-                <a:effectLst>
-                  <a:outerShdw dist="35921" dir="2700000" algn="ctr" rotWithShape="0">
-                    <a:schemeClr val="bg2"/>
-                  </a:outerShdw>
-                </a:effectLst>
-              </a14:hiddenEffects>
-            </a:ext>
-          </a:extLst>
-        </p:spPr>
-      </p:pic>
-      <p:pic>
-        <p:nvPicPr>
-          <p:cNvPr id="6" name="Picture 2"/>
-          <p:cNvPicPr>
-            <a:picLocks noChangeAspect="1" noChangeArrowheads="1"/>
-          </p:cNvPicPr>
-          <p:nvPr/>
-        </p:nvPicPr>
-        <p:blipFill rotWithShape="1">
-          <a:blip r:embed="rId4">
-            <a:extLst>
-              <a:ext uri="{BEBA8EAE-BF5A-486C-A8C5-ECC9F3942E4B}">
-                <a14:imgProps xmlns:a14="http://schemas.microsoft.com/office/drawing/2010/main">
-                  <a14:imgLayer r:embed="rId5">
-                    <a14:imgEffect>
-                      <a14:sharpenSoften amount="50000"/>
-                    </a14:imgEffect>
-                    <a14:imgEffect>
-                      <a14:brightnessContrast bright="2000" contrast="4000"/>
-                    </a14:imgEffect>
-                  </a14:imgLayer>
-                </a14:imgProps>
-              </a:ext>
-            </a:extLst>
-          </a:blip>
-          <a:srcRect t="26613"/>
-          <a:stretch/>
-        </p:blipFill>
-        <p:spPr bwMode="auto">
-          <a:xfrm>
-            <a:off x="0" y="3314889"/>
-            <a:ext cx="4852884" cy="3498487"/>
-          </a:xfrm>
-          <a:prstGeom prst="rect">
-            <a:avLst/>
-          </a:prstGeom>
-          <a:noFill/>
-          <a:ln>
-            <a:noFill/>
-          </a:ln>
-        </p:spPr>
-      </p:pic>
-      <p:grpSp>
-        <p:nvGrpSpPr>
-          <p:cNvPr id="16" name="Group 15"/>
-          <p:cNvGrpSpPr/>
-          <p:nvPr/>
-        </p:nvGrpSpPr>
-        <p:grpSpPr>
-          <a:xfrm>
-            <a:off x="-4706" y="908720"/>
-            <a:ext cx="3977186" cy="2149223"/>
-            <a:chOff x="-4706" y="908720"/>
-            <a:chExt cx="3977186" cy="2149223"/>
-          </a:xfrm>
-        </p:grpSpPr>
-        <p:pic>
-          <p:nvPicPr>
-            <p:cNvPr id="7" name="Picture 2"/>
-            <p:cNvPicPr>
-              <a:picLocks noChangeAspect="1" noChangeArrowheads="1"/>
-            </p:cNvPicPr>
-            <p:nvPr/>
-          </p:nvPicPr>
-          <p:blipFill rotWithShape="1">
-            <a:blip r:embed="rId6">
-              <a:extLst>
-                <a:ext uri="{BEBA8EAE-BF5A-486C-A8C5-ECC9F3942E4B}">
-                  <a14:imgProps xmlns:a14="http://schemas.microsoft.com/office/drawing/2010/main">
-                    <a14:imgLayer r:embed="rId3">
-                      <a14:imgEffect>
-                        <a14:brightnessContrast contrast="5000"/>
-                      </a14:imgEffect>
-                    </a14:imgLayer>
-                  </a14:imgProps>
-                </a:ext>
-                <a:ext uri="{28A0092B-C50C-407E-A947-70E740481C1C}">
-                  <a14:useLocalDpi xmlns:a14="http://schemas.microsoft.com/office/drawing/2010/main" val="0"/>
-                </a:ext>
-              </a:extLst>
-            </a:blip>
-            <a:srcRect l="825" t="79751" r="94657" b="8522"/>
-            <a:stretch/>
-          </p:blipFill>
-          <p:spPr bwMode="auto">
-            <a:xfrm>
-              <a:off x="-4706" y="908720"/>
-              <a:ext cx="760282" cy="2149223"/>
-            </a:xfrm>
-            <a:prstGeom prst="rect">
-              <a:avLst/>
-            </a:prstGeom>
-            <a:noFill/>
-            <a:ln>
-              <a:noFill/>
-            </a:ln>
-            <a:effectLst/>
-            <a:extLst>
-              <a:ext uri="{909E8E84-426E-40DD-AFC4-6F175D3DCCD1}">
-                <a14:hiddenFill xmlns:a14="http://schemas.microsoft.com/office/drawing/2010/main">
-                  <a:solidFill>
-                    <a:schemeClr val="accent1"/>
-                  </a:solidFill>
-                </a14:hiddenFill>
-              </a:ext>
-              <a:ext uri="{91240B29-F687-4F45-9708-019B960494DF}">
-                <a14:hiddenLine xmlns:a14="http://schemas.microsoft.com/office/drawing/2010/main" w="9525">
-                  <a:solidFill>
-                    <a:schemeClr val="tx1"/>
-                  </a:solidFill>
-                  <a:miter lim="800000"/>
-                  <a:headEnd/>
-                  <a:tailEnd/>
-                </a14:hiddenLine>
-              </a:ext>
-              <a:ext uri="{AF507438-7753-43E0-B8FC-AC1667EBCBE1}">
-                <a14:hiddenEffects xmlns:a14="http://schemas.microsoft.com/office/drawing/2010/main">
-                  <a:effectLst>
-                    <a:outerShdw dist="35921" dir="2700000" algn="ctr" rotWithShape="0">
-                      <a:schemeClr val="bg2"/>
-                    </a:outerShdw>
-                  </a:effectLst>
-                </a14:hiddenEffects>
-              </a:ext>
-            </a:extLst>
-          </p:spPr>
-        </p:pic>
-        <p:sp>
-          <p:nvSpPr>
-            <p:cNvPr id="8" name="TextBox 7"/>
-            <p:cNvSpPr txBox="1"/>
-            <p:nvPr/>
-          </p:nvSpPr>
-          <p:spPr>
-            <a:xfrm>
-              <a:off x="611560" y="925280"/>
-              <a:ext cx="3039743" cy="369332"/>
-            </a:xfrm>
-            <a:prstGeom prst="rect">
-              <a:avLst/>
-            </a:prstGeom>
-            <a:solidFill>
-              <a:schemeClr val="bg1"/>
-            </a:solidFill>
-          </p:spPr>
-          <p:txBody>
-            <a:bodyPr wrap="none" rtlCol="0">
-              <a:spAutoFit/>
-            </a:bodyPr>
-            <a:lstStyle/>
-            <a:p>
-              <a:r>
-                <a:rPr lang="hr-HR" dirty="0" smtClean="0"/>
-                <a:t>GRANICA UNUTARNJEG MORA</a:t>
-              </a:r>
-              <a:endParaRPr lang="hr-HR" dirty="0"/>
-            </a:p>
-          </p:txBody>
-        </p:sp>
-        <p:sp>
-          <p:nvSpPr>
-            <p:cNvPr id="9" name="TextBox 8"/>
-            <p:cNvSpPr txBox="1"/>
-            <p:nvPr/>
-          </p:nvSpPr>
-          <p:spPr>
-            <a:xfrm>
-              <a:off x="611560" y="1335186"/>
-              <a:ext cx="1955600" cy="369332"/>
-            </a:xfrm>
-            <a:prstGeom prst="rect">
-              <a:avLst/>
-            </a:prstGeom>
-            <a:noFill/>
-          </p:spPr>
-          <p:txBody>
-            <a:bodyPr wrap="none" rtlCol="0">
-              <a:spAutoFit/>
-            </a:bodyPr>
-            <a:lstStyle/>
-            <a:p>
-              <a:r>
-                <a:rPr lang="hr-HR" dirty="0" smtClean="0"/>
-                <a:t>UNUTARNJE MORE</a:t>
-              </a:r>
-              <a:endParaRPr lang="hr-HR" dirty="0"/>
-            </a:p>
-          </p:txBody>
-        </p:sp>
-        <p:sp>
-          <p:nvSpPr>
-            <p:cNvPr id="10" name="TextBox 9"/>
-            <p:cNvSpPr txBox="1"/>
-            <p:nvPr/>
-          </p:nvSpPr>
-          <p:spPr>
-            <a:xfrm>
-              <a:off x="611560" y="1745092"/>
-              <a:ext cx="3360920" cy="369332"/>
-            </a:xfrm>
-            <a:prstGeom prst="rect">
-              <a:avLst/>
-            </a:prstGeom>
-            <a:solidFill>
-              <a:schemeClr val="bg1"/>
-            </a:solidFill>
-          </p:spPr>
-          <p:txBody>
-            <a:bodyPr wrap="none" rtlCol="0">
-              <a:spAutoFit/>
-            </a:bodyPr>
-            <a:lstStyle/>
-            <a:p>
-              <a:r>
-                <a:rPr lang="hr-HR" dirty="0" smtClean="0"/>
-                <a:t>GRANICA TERITORIJALNOG MORA</a:t>
-              </a:r>
-              <a:endParaRPr lang="hr-HR" dirty="0"/>
-            </a:p>
-          </p:txBody>
-        </p:sp>
-        <p:sp>
-          <p:nvSpPr>
-            <p:cNvPr id="11" name="TextBox 10"/>
-            <p:cNvSpPr txBox="1"/>
-            <p:nvPr/>
-          </p:nvSpPr>
-          <p:spPr>
-            <a:xfrm>
-              <a:off x="611560" y="2154998"/>
-              <a:ext cx="2274084" cy="369332"/>
-            </a:xfrm>
-            <a:prstGeom prst="rect">
-              <a:avLst/>
-            </a:prstGeom>
-            <a:noFill/>
-          </p:spPr>
-          <p:txBody>
-            <a:bodyPr wrap="none" rtlCol="0">
-              <a:spAutoFit/>
-            </a:bodyPr>
-            <a:lstStyle/>
-            <a:p>
-              <a:r>
-                <a:rPr lang="hr-HR" dirty="0" smtClean="0"/>
-                <a:t>TERITORIJALNO MORE</a:t>
-              </a:r>
-              <a:endParaRPr lang="hr-HR" dirty="0"/>
-            </a:p>
-          </p:txBody>
-        </p:sp>
-        <p:sp>
-          <p:nvSpPr>
-            <p:cNvPr id="12" name="TextBox 11"/>
-            <p:cNvSpPr txBox="1"/>
-            <p:nvPr/>
-          </p:nvSpPr>
-          <p:spPr>
-            <a:xfrm>
-              <a:off x="611560" y="2564904"/>
-              <a:ext cx="2625334" cy="369332"/>
-            </a:xfrm>
-            <a:prstGeom prst="rect">
-              <a:avLst/>
-            </a:prstGeom>
-            <a:noFill/>
-          </p:spPr>
-          <p:txBody>
-            <a:bodyPr wrap="none" rtlCol="0">
-              <a:spAutoFit/>
-            </a:bodyPr>
-            <a:lstStyle/>
-            <a:p>
-              <a:r>
-                <a:rPr lang="hr-HR" dirty="0" smtClean="0"/>
-                <a:t>EPIKONTINENTALNI POJAS</a:t>
-              </a:r>
-              <a:endParaRPr lang="hr-HR" dirty="0"/>
-            </a:p>
-          </p:txBody>
-        </p:sp>
-        <p:sp>
-          <p:nvSpPr>
-            <p:cNvPr id="13" name="Rectangle 12"/>
-            <p:cNvSpPr/>
-            <p:nvPr/>
-          </p:nvSpPr>
-          <p:spPr>
-            <a:xfrm>
-              <a:off x="69837" y="2180412"/>
-              <a:ext cx="543537" cy="335756"/>
-            </a:xfrm>
-            <a:prstGeom prst="rect">
-              <a:avLst/>
-            </a:prstGeom>
-            <a:ln w="38100">
-              <a:solidFill>
-                <a:schemeClr val="bg1">
-                  <a:lumMod val="50000"/>
-                </a:schemeClr>
-              </a:solidFill>
-            </a:ln>
-          </p:spPr>
-          <p:style>
-            <a:lnRef idx="1">
-              <a:schemeClr val="accent1"/>
-            </a:lnRef>
-            <a:fillRef idx="0">
-              <a:schemeClr val="accent1"/>
-            </a:fillRef>
-            <a:effectRef idx="0">
-              <a:schemeClr val="accent1"/>
-            </a:effectRef>
-            <a:fontRef idx="minor">
-              <a:schemeClr val="tx1"/>
-            </a:fontRef>
-          </p:style>
-          <p:txBody>
-            <a:bodyPr rtlCol="0" anchor="ctr"/>
-            <a:lstStyle/>
-            <a:p>
-              <a:pPr algn="ctr"/>
-              <a:endParaRPr lang="hr-HR"/>
-            </a:p>
-          </p:txBody>
-        </p:sp>
-        <p:sp>
-          <p:nvSpPr>
-            <p:cNvPr id="14" name="Rectangle 13"/>
-            <p:cNvSpPr/>
-            <p:nvPr/>
-          </p:nvSpPr>
-          <p:spPr>
-            <a:xfrm>
-              <a:off x="69837" y="2594673"/>
-              <a:ext cx="543537" cy="305233"/>
-            </a:xfrm>
-            <a:prstGeom prst="rect">
-              <a:avLst/>
-            </a:prstGeom>
-            <a:ln w="38100">
-              <a:solidFill>
-                <a:schemeClr val="bg1">
-                  <a:lumMod val="50000"/>
-                </a:schemeClr>
-              </a:solidFill>
-            </a:ln>
-          </p:spPr>
-          <p:style>
-            <a:lnRef idx="1">
-              <a:schemeClr val="accent1"/>
-            </a:lnRef>
-            <a:fillRef idx="0">
-              <a:schemeClr val="accent1"/>
-            </a:fillRef>
-            <a:effectRef idx="0">
-              <a:schemeClr val="accent1"/>
-            </a:effectRef>
-            <a:fontRef idx="minor">
-              <a:schemeClr val="tx1"/>
-            </a:fontRef>
-          </p:style>
-          <p:txBody>
-            <a:bodyPr rtlCol="0" anchor="ctr"/>
-            <a:lstStyle/>
-            <a:p>
-              <a:pPr algn="ctr"/>
-              <a:endParaRPr lang="hr-HR"/>
-            </a:p>
-          </p:txBody>
-        </p:sp>
-        <p:sp>
-          <p:nvSpPr>
-            <p:cNvPr id="15" name="Rectangle 14"/>
-            <p:cNvSpPr/>
-            <p:nvPr/>
-          </p:nvSpPr>
-          <p:spPr>
-            <a:xfrm>
-              <a:off x="77830" y="1366691"/>
-              <a:ext cx="527551" cy="335756"/>
-            </a:xfrm>
-            <a:prstGeom prst="rect">
-              <a:avLst/>
-            </a:prstGeom>
-            <a:ln w="38100">
-              <a:solidFill>
-                <a:schemeClr val="bg1">
-                  <a:lumMod val="50000"/>
-                </a:schemeClr>
-              </a:solidFill>
-            </a:ln>
-          </p:spPr>
-          <p:style>
-            <a:lnRef idx="1">
-              <a:schemeClr val="accent1"/>
-            </a:lnRef>
-            <a:fillRef idx="0">
-              <a:schemeClr val="accent1"/>
-            </a:fillRef>
-            <a:effectRef idx="0">
-              <a:schemeClr val="accent1"/>
-            </a:effectRef>
-            <a:fontRef idx="minor">
-              <a:schemeClr val="tx1"/>
-            </a:fontRef>
-          </p:style>
-          <p:txBody>
-            <a:bodyPr rtlCol="0" anchor="ctr"/>
-            <a:lstStyle/>
-            <a:p>
-              <a:pPr algn="ctr"/>
-              <a:endParaRPr lang="hr-HR"/>
-            </a:p>
-          </p:txBody>
-        </p:sp>
-      </p:grpSp>
-      <p:sp>
-        <p:nvSpPr>
-          <p:cNvPr id="17" name="Rectangle 16"/>
-          <p:cNvSpPr/>
-          <p:nvPr/>
-        </p:nvSpPr>
-        <p:spPr>
-          <a:xfrm>
-            <a:off x="33394" y="4749179"/>
-            <a:ext cx="4775054" cy="308171"/>
-          </a:xfrm>
-          <a:prstGeom prst="rect">
-            <a:avLst/>
-          </a:prstGeom>
-          <a:ln w="38100">
-            <a:solidFill>
-              <a:srgbClr val="FF0000"/>
-            </a:solidFill>
-          </a:ln>
-        </p:spPr>
-        <p:style>
-          <a:lnRef idx="1">
-            <a:schemeClr val="accent1"/>
-          </a:lnRef>
-          <a:fillRef idx="0">
-            <a:schemeClr val="accent1"/>
-          </a:fillRef>
-          <a:effectRef idx="0">
-            <a:schemeClr val="accent1"/>
-          </a:effectRef>
-          <a:fontRef idx="minor">
-            <a:schemeClr val="tx1"/>
-          </a:fontRef>
-        </p:style>
-        <p:txBody>
-          <a:bodyPr rtlCol="0" anchor="ctr"/>
-          <a:lstStyle/>
-          <a:p>
-            <a:pPr algn="ctr"/>
-            <a:endParaRPr lang="hr-HR"/>
-          </a:p>
-        </p:txBody>
-      </p:sp>
-      <p:sp>
-        <p:nvSpPr>
-          <p:cNvPr id="18" name="Rectangle 17"/>
-          <p:cNvSpPr/>
-          <p:nvPr/>
-        </p:nvSpPr>
-        <p:spPr>
-          <a:xfrm>
-            <a:off x="33394" y="3296729"/>
-            <a:ext cx="4775054" cy="299108"/>
-          </a:xfrm>
-          <a:prstGeom prst="rect">
-            <a:avLst/>
-          </a:prstGeom>
-          <a:ln w="38100">
-            <a:solidFill>
-              <a:srgbClr val="FF0000"/>
-            </a:solidFill>
-          </a:ln>
-        </p:spPr>
-        <p:style>
-          <a:lnRef idx="1">
-            <a:schemeClr val="accent1"/>
-          </a:lnRef>
-          <a:fillRef idx="0">
-            <a:schemeClr val="accent1"/>
-          </a:fillRef>
-          <a:effectRef idx="0">
-            <a:schemeClr val="accent1"/>
-          </a:effectRef>
-          <a:fontRef idx="minor">
-            <a:schemeClr val="tx1"/>
-          </a:fontRef>
-        </p:style>
-        <p:txBody>
-          <a:bodyPr rtlCol="0" anchor="ctr"/>
-          <a:lstStyle/>
-          <a:p>
-            <a:pPr algn="ctr"/>
-            <a:endParaRPr lang="hr-HR"/>
-          </a:p>
-        </p:txBody>
-      </p:sp>
-      <p:sp>
-        <p:nvSpPr>
-          <p:cNvPr id="19" name="Rectangle 18"/>
-          <p:cNvSpPr/>
-          <p:nvPr/>
-        </p:nvSpPr>
-        <p:spPr>
-          <a:xfrm>
-            <a:off x="33394" y="5333415"/>
-            <a:ext cx="4775054" cy="299108"/>
-          </a:xfrm>
-          <a:prstGeom prst="rect">
-            <a:avLst/>
-          </a:prstGeom>
-          <a:ln w="38100">
-            <a:solidFill>
-              <a:srgbClr val="FF0000"/>
-            </a:solidFill>
-          </a:ln>
-        </p:spPr>
-        <p:style>
-          <a:lnRef idx="1">
-            <a:schemeClr val="accent1"/>
-          </a:lnRef>
-          <a:fillRef idx="0">
-            <a:schemeClr val="accent1"/>
-          </a:fillRef>
-          <a:effectRef idx="0">
-            <a:schemeClr val="accent1"/>
-          </a:effectRef>
-          <a:fontRef idx="minor">
-            <a:schemeClr val="tx1"/>
-          </a:fontRef>
-        </p:style>
-        <p:txBody>
-          <a:bodyPr rtlCol="0" anchor="ctr"/>
-          <a:lstStyle/>
-          <a:p>
-            <a:pPr algn="ctr"/>
-            <a:endParaRPr lang="hr-HR"/>
-          </a:p>
-        </p:txBody>
-      </p:sp>
-      <p:sp>
-        <p:nvSpPr>
-          <p:cNvPr id="20" name="Rectangle 19"/>
-          <p:cNvSpPr/>
-          <p:nvPr/>
-        </p:nvSpPr>
-        <p:spPr>
-          <a:xfrm>
-            <a:off x="33394" y="6521587"/>
-            <a:ext cx="4775054" cy="271916"/>
-          </a:xfrm>
-          <a:prstGeom prst="rect">
-            <a:avLst/>
-          </a:prstGeom>
-          <a:ln w="38100">
-            <a:solidFill>
-              <a:srgbClr val="FF0000"/>
-            </a:solidFill>
-          </a:ln>
-        </p:spPr>
-        <p:style>
-          <a:lnRef idx="1">
-            <a:schemeClr val="accent1"/>
-          </a:lnRef>
-          <a:fillRef idx="0">
-            <a:schemeClr val="accent1"/>
-          </a:fillRef>
-          <a:effectRef idx="0">
-            <a:schemeClr val="accent1"/>
-          </a:effectRef>
-          <a:fontRef idx="minor">
-            <a:schemeClr val="tx1"/>
-          </a:fontRef>
-        </p:style>
-        <p:txBody>
-          <a:bodyPr rtlCol="0" anchor="ctr"/>
-          <a:lstStyle/>
-          <a:p>
-            <a:pPr algn="ctr"/>
-            <a:endParaRPr lang="hr-HR"/>
-          </a:p>
-        </p:txBody>
-      </p:sp>
-      <p:sp>
-        <p:nvSpPr>
-          <p:cNvPr id="21" name="Rectangle 20"/>
-          <p:cNvSpPr/>
-          <p:nvPr/>
-        </p:nvSpPr>
-        <p:spPr>
-          <a:xfrm>
-            <a:off x="33394" y="3595837"/>
-            <a:ext cx="4775054" cy="299108"/>
-          </a:xfrm>
-          <a:prstGeom prst="rect">
-            <a:avLst/>
-          </a:prstGeom>
-          <a:ln w="38100">
-            <a:solidFill>
-              <a:srgbClr val="FF0000"/>
-            </a:solidFill>
-          </a:ln>
-        </p:spPr>
-        <p:style>
-          <a:lnRef idx="1">
-            <a:schemeClr val="accent1"/>
-          </a:lnRef>
-          <a:fillRef idx="0">
-            <a:schemeClr val="accent1"/>
-          </a:fillRef>
-          <a:effectRef idx="0">
-            <a:schemeClr val="accent1"/>
-          </a:effectRef>
-          <a:fontRef idx="minor">
-            <a:schemeClr val="tx1"/>
-          </a:fontRef>
-        </p:style>
-        <p:txBody>
-          <a:bodyPr rtlCol="0" anchor="ctr"/>
-          <a:lstStyle/>
-          <a:p>
-            <a:pPr algn="ctr"/>
-            <a:endParaRPr lang="hr-HR"/>
-          </a:p>
-        </p:txBody>
-      </p:sp>
-    </p:spTree>
-    <p:extLst>
-      <p:ext uri="{BB962C8B-B14F-4D97-AF65-F5344CB8AC3E}">
-        <p14:creationId xmlns:p14="http://schemas.microsoft.com/office/powerpoint/2010/main" val="3787024635"/>
-      </p:ext>
-    </p:extLst>
-  </p:cSld>
-  <p:clrMapOvr>
-    <a:masterClrMapping/>
-  </p:clrMapOvr>
-  <mc:AlternateContent xmlns:mc="http://schemas.openxmlformats.org/markup-compatibility/2006">
-    <mc:Choice xmlns:p14="http://schemas.microsoft.com/office/powerpoint/2010/main" Requires="p14">
-      <p:transition>
-        <p14:reveal/>
-      </p:transition>
-    </mc:Choice>
-    <mc:Fallback>
-      <p:transition>
-        <p:fade/>
-      </p:transition>
-    </mc:Fallback>
-  </mc:AlternateContent>
-  <p:timing>
-    <p:tnLst>
-      <p:par>
-        <p:cTn id="1" dur="indefinite" restart="never" nodeType="tmRoot">
-          <p:childTnLst>
-            <p:seq concurrent="1" nextAc="seek">
-              <p:cTn id="2" dur="indefinite" nodeType="mainSeq">
-                <p:childTnLst>
-                  <p:par>
-                    <p:cTn id="3" fill="hold">
-                      <p:stCondLst>
-                        <p:cond delay="indefinite"/>
-                        <p:cond evt="onBegin" delay="0">
-                          <p:tn val="2"/>
-                        </p:cond>
-                      </p:stCondLst>
-                      <p:childTnLst>
-                        <p:par>
-                          <p:cTn id="4" fill="hold">
-                            <p:stCondLst>
-                              <p:cond delay="0"/>
-                            </p:stCondLst>
-                            <p:childTnLst>
-                              <p:par>
-                                <p:cTn id="5" presetID="10" presetClass="entr" presetSubtype="0" fill="hold" nodeType="afterEffect">
-                                  <p:stCondLst>
-                                    <p:cond delay="0"/>
-                                  </p:stCondLst>
-                                  <p:childTnLst>
-                                    <p:set>
-                                      <p:cBhvr>
-                                        <p:cTn id="6" dur="1" fill="hold">
-                                          <p:stCondLst>
-                                            <p:cond delay="0"/>
-                                          </p:stCondLst>
-                                        </p:cTn>
-                                        <p:tgtEl>
-                                          <p:spTgt spid="6"/>
-                                        </p:tgtEl>
-                                        <p:attrNameLst>
-                                          <p:attrName>style.visibility</p:attrName>
-                                        </p:attrNameLst>
-                                      </p:cBhvr>
-                                      <p:to>
-                                        <p:strVal val="visible"/>
-                                      </p:to>
-                                    </p:set>
-                                    <p:animEffect transition="in" filter="fade">
-                                      <p:cBhvr>
-                                        <p:cTn id="7" dur="250"/>
-                                        <p:tgtEl>
-                                          <p:spTgt spid="6"/>
-                                        </p:tgtEl>
-                                      </p:cBhvr>
-                                    </p:animEffect>
-                                  </p:childTnLst>
-                                </p:cTn>
-                              </p:par>
-                            </p:childTnLst>
-                          </p:cTn>
-                        </p:par>
-                      </p:childTnLst>
-                    </p:cTn>
-                  </p:par>
-                  <p:par>
-                    <p:cTn id="8" fill="hold">
-                      <p:stCondLst>
-                        <p:cond delay="indefinite"/>
-                      </p:stCondLst>
-                      <p:childTnLst>
-                        <p:par>
-                          <p:cTn id="9" fill="hold">
-                            <p:stCondLst>
-                              <p:cond delay="0"/>
-                            </p:stCondLst>
-                            <p:childTnLst>
-                              <p:par>
-                                <p:cTn id="10" presetID="22" presetClass="entr" presetSubtype="8" fill="hold" grpId="0" nodeType="clickEffect">
-                                  <p:stCondLst>
-                                    <p:cond delay="0"/>
-                                  </p:stCondLst>
-                                  <p:childTnLst>
-                                    <p:set>
-                                      <p:cBhvr>
-                                        <p:cTn id="11" dur="1" fill="hold">
-                                          <p:stCondLst>
-                                            <p:cond delay="0"/>
-                                          </p:stCondLst>
-                                        </p:cTn>
-                                        <p:tgtEl>
-                                          <p:spTgt spid="18"/>
-                                        </p:tgtEl>
-                                        <p:attrNameLst>
-                                          <p:attrName>style.visibility</p:attrName>
-                                        </p:attrNameLst>
-                                      </p:cBhvr>
-                                      <p:to>
-                                        <p:strVal val="visible"/>
-                                      </p:to>
-                                    </p:set>
-                                    <p:animEffect transition="in" filter="wipe(left)">
-                                      <p:cBhvr>
-                                        <p:cTn id="12" dur="250"/>
-                                        <p:tgtEl>
-                                          <p:spTgt spid="18"/>
-                                        </p:tgtEl>
-                                      </p:cBhvr>
-                                    </p:animEffect>
-                                  </p:childTnLst>
-                                </p:cTn>
-                              </p:par>
-                            </p:childTnLst>
-                          </p:cTn>
-                        </p:par>
-                        <p:par>
-                          <p:cTn id="13" fill="hold">
-                            <p:stCondLst>
-                              <p:cond delay="250"/>
-                            </p:stCondLst>
-                            <p:childTnLst>
-                              <p:par>
-                                <p:cTn id="14" presetID="22" presetClass="entr" presetSubtype="8" fill="hold" grpId="0" nodeType="afterEffect">
-                                  <p:stCondLst>
-                                    <p:cond delay="0"/>
-                                  </p:stCondLst>
-                                  <p:childTnLst>
-                                    <p:set>
-                                      <p:cBhvr>
-                                        <p:cTn id="15" dur="1" fill="hold">
-                                          <p:stCondLst>
-                                            <p:cond delay="0"/>
-                                          </p:stCondLst>
-                                        </p:cTn>
-                                        <p:tgtEl>
-                                          <p:spTgt spid="21"/>
-                                        </p:tgtEl>
-                                        <p:attrNameLst>
-                                          <p:attrName>style.visibility</p:attrName>
-                                        </p:attrNameLst>
-                                      </p:cBhvr>
-                                      <p:to>
-                                        <p:strVal val="visible"/>
-                                      </p:to>
-                                    </p:set>
-                                    <p:animEffect transition="in" filter="wipe(left)">
-                                      <p:cBhvr>
-                                        <p:cTn id="16" dur="250"/>
-                                        <p:tgtEl>
-                                          <p:spTgt spid="21"/>
-                                        </p:tgtEl>
-                                      </p:cBhvr>
-                                    </p:animEffect>
-                                  </p:childTnLst>
-                                </p:cTn>
-                              </p:par>
-                            </p:childTnLst>
-                          </p:cTn>
-                        </p:par>
-                        <p:par>
-                          <p:cTn id="17" fill="hold">
-                            <p:stCondLst>
-                              <p:cond delay="500"/>
-                            </p:stCondLst>
-                            <p:childTnLst>
-                              <p:par>
-                                <p:cTn id="18" presetID="22" presetClass="entr" presetSubtype="8" fill="hold" grpId="0" nodeType="afterEffect">
-                                  <p:stCondLst>
-                                    <p:cond delay="0"/>
-                                  </p:stCondLst>
-                                  <p:childTnLst>
-                                    <p:set>
-                                      <p:cBhvr>
-                                        <p:cTn id="19" dur="1" fill="hold">
-                                          <p:stCondLst>
-                                            <p:cond delay="0"/>
-                                          </p:stCondLst>
-                                        </p:cTn>
-                                        <p:tgtEl>
-                                          <p:spTgt spid="17"/>
-                                        </p:tgtEl>
-                                        <p:attrNameLst>
-                                          <p:attrName>style.visibility</p:attrName>
-                                        </p:attrNameLst>
-                                      </p:cBhvr>
-                                      <p:to>
-                                        <p:strVal val="visible"/>
-                                      </p:to>
-                                    </p:set>
-                                    <p:animEffect transition="in" filter="wipe(left)">
-                                      <p:cBhvr>
-                                        <p:cTn id="20" dur="250"/>
-                                        <p:tgtEl>
-                                          <p:spTgt spid="17"/>
-                                        </p:tgtEl>
-                                      </p:cBhvr>
-                                    </p:animEffect>
-                                  </p:childTnLst>
-                                </p:cTn>
-                              </p:par>
-                            </p:childTnLst>
-                          </p:cTn>
-                        </p:par>
-                        <p:par>
-                          <p:cTn id="21" fill="hold">
-                            <p:stCondLst>
-                              <p:cond delay="750"/>
-                            </p:stCondLst>
-                            <p:childTnLst>
-                              <p:par>
-                                <p:cTn id="22" presetID="22" presetClass="entr" presetSubtype="8" fill="hold" grpId="0" nodeType="afterEffect">
-                                  <p:stCondLst>
-                                    <p:cond delay="0"/>
-                                  </p:stCondLst>
-                                  <p:childTnLst>
-                                    <p:set>
-                                      <p:cBhvr>
-                                        <p:cTn id="23" dur="1" fill="hold">
-                                          <p:stCondLst>
-                                            <p:cond delay="0"/>
-                                          </p:stCondLst>
-                                        </p:cTn>
-                                        <p:tgtEl>
-                                          <p:spTgt spid="19"/>
-                                        </p:tgtEl>
-                                        <p:attrNameLst>
-                                          <p:attrName>style.visibility</p:attrName>
-                                        </p:attrNameLst>
-                                      </p:cBhvr>
-                                      <p:to>
-                                        <p:strVal val="visible"/>
-                                      </p:to>
-                                    </p:set>
-                                    <p:animEffect transition="in" filter="wipe(left)">
-                                      <p:cBhvr>
-                                        <p:cTn id="24" dur="250"/>
-                                        <p:tgtEl>
-                                          <p:spTgt spid="19"/>
-                                        </p:tgtEl>
-                                      </p:cBhvr>
-                                    </p:animEffect>
-                                  </p:childTnLst>
-                                </p:cTn>
-                              </p:par>
-                            </p:childTnLst>
-                          </p:cTn>
-                        </p:par>
-                        <p:par>
-                          <p:cTn id="25" fill="hold">
-                            <p:stCondLst>
-                              <p:cond delay="1000"/>
-                            </p:stCondLst>
-                            <p:childTnLst>
-                              <p:par>
-                                <p:cTn id="26" presetID="22" presetClass="entr" presetSubtype="8" fill="hold" grpId="0" nodeType="afterEffect">
-                                  <p:stCondLst>
-                                    <p:cond delay="0"/>
-                                  </p:stCondLst>
-                                  <p:childTnLst>
-                                    <p:set>
-                                      <p:cBhvr>
-                                        <p:cTn id="27" dur="1" fill="hold">
-                                          <p:stCondLst>
-                                            <p:cond delay="0"/>
-                                          </p:stCondLst>
-                                        </p:cTn>
-                                        <p:tgtEl>
-                                          <p:spTgt spid="20"/>
-                                        </p:tgtEl>
-                                        <p:attrNameLst>
-                                          <p:attrName>style.visibility</p:attrName>
-                                        </p:attrNameLst>
-                                      </p:cBhvr>
-                                      <p:to>
-                                        <p:strVal val="visible"/>
-                                      </p:to>
-                                    </p:set>
-                                    <p:animEffect transition="in" filter="wipe(left)">
-                                      <p:cBhvr>
-                                        <p:cTn id="28" dur="250"/>
-                                        <p:tgtEl>
-                                          <p:spTgt spid="20"/>
-                                        </p:tgtEl>
-                                      </p:cBhvr>
-                                    </p:animEffect>
-                                  </p:childTnLst>
-                                </p:cTn>
-                              </p:par>
-                            </p:childTnLst>
-                          </p:cTn>
-                        </p:par>
-                      </p:childTnLst>
-                    </p:cTn>
-                  </p:par>
-                </p:childTnLst>
-              </p:cTn>
-              <p:prevCondLst>
-                <p:cond evt="onPrev" delay="0">
-                  <p:tgtEl>
-                    <p:sldTgt/>
-                  </p:tgtEl>
-                </p:cond>
-              </p:prevCondLst>
-              <p:nextCondLst>
-                <p:cond evt="onNext" delay="0">
-                  <p:tgtEl>
-                    <p:sldTgt/>
-                  </p:tgtEl>
-                </p:cond>
-              </p:nextCondLst>
-            </p:seq>
-          </p:childTnLst>
-        </p:cTn>
-      </p:par>
-    </p:tnLst>
-    <p:bldLst>
-      <p:bldP spid="17" grpId="0" animBg="1"/>
-      <p:bldP spid="18" grpId="0" animBg="1"/>
-      <p:bldP spid="19" grpId="0" animBg="1"/>
-      <p:bldP spid="20" grpId="0" animBg="1"/>
-      <p:bldP spid="21" grpId="0" animBg="1"/>
-    </p:bldLst>
-  </p:timing>
-</p:sld>
-</file>
-
-<file path=ppt/slides/slide11.xml><?xml version="1.0" encoding="utf-8"?>
-<p:sld xmlns:a="http://schemas.openxmlformats.org/drawingml/2006/main" xmlns:r="http://schemas.openxmlformats.org/officeDocument/2006/relationships" xmlns:p="http://schemas.openxmlformats.org/presentationml/2006/main">
-  <p:cSld>
-    <p:spTree>
-      <p:nvGrpSpPr>
-        <p:cNvPr id="1" name=""/>
-        <p:cNvGrpSpPr/>
-        <p:nvPr/>
-      </p:nvGrpSpPr>
-      <p:grpSpPr>
-        <a:xfrm>
-          <a:off x="0" y="0"/>
-          <a:ext cx="0" cy="0"/>
-          <a:chOff x="0" y="0"/>
-          <a:chExt cx="0" cy="0"/>
-        </a:xfrm>
-      </p:grpSpPr>
-      <p:pic>
-        <p:nvPicPr>
-          <p:cNvPr id="2051" name="Picture 3"/>
-          <p:cNvPicPr>
-            <a:picLocks noChangeAspect="1" noChangeArrowheads="1"/>
-          </p:cNvPicPr>
-          <p:nvPr/>
-        </p:nvPicPr>
-        <p:blipFill rotWithShape="1">
-          <a:blip r:embed="rId2">
-            <a:extLst>
-              <a:ext uri="{28A0092B-C50C-407E-A947-70E740481C1C}">
-                <a14:useLocalDpi xmlns:a14="http://schemas.microsoft.com/office/drawing/2010/main" val="0"/>
-              </a:ext>
-            </a:extLst>
-          </a:blip>
-          <a:srcRect/>
-          <a:stretch/>
-        </p:blipFill>
-        <p:spPr bwMode="auto">
-          <a:xfrm>
-            <a:off x="755576" y="164014"/>
-            <a:ext cx="7776864" cy="6694010"/>
-          </a:xfrm>
-          <a:prstGeom prst="rect">
-            <a:avLst/>
-          </a:prstGeom>
-          <a:noFill/>
-          <a:ln>
-            <a:noFill/>
-          </a:ln>
-          <a:extLst>
-            <a:ext uri="{909E8E84-426E-40DD-AFC4-6F175D3DCCD1}">
-              <a14:hiddenFill xmlns:a14="http://schemas.microsoft.com/office/drawing/2010/main">
-                <a:solidFill>
-                  <a:schemeClr val="accent1"/>
-                </a:solidFill>
-              </a14:hiddenFill>
-            </a:ext>
-            <a:ext uri="{91240B29-F687-4F45-9708-019B960494DF}">
-              <a14:hiddenLine xmlns:a14="http://schemas.microsoft.com/office/drawing/2010/main" w="9525">
-                <a:solidFill>
-                  <a:schemeClr val="tx1"/>
-                </a:solidFill>
-                <a:miter lim="800000"/>
-                <a:headEnd/>
-                <a:tailEnd/>
-              </a14:hiddenLine>
-            </a:ext>
-          </a:extLst>
-        </p:spPr>
-      </p:pic>
-      <p:sp>
-        <p:nvSpPr>
-          <p:cNvPr id="3" name="Naslov 3"/>
-          <p:cNvSpPr txBox="1">
-            <a:spLocks/>
-          </p:cNvSpPr>
-          <p:nvPr/>
-        </p:nvSpPr>
-        <p:spPr>
-          <a:xfrm>
-            <a:off x="0" y="-24"/>
-            <a:ext cx="9001156" cy="642918"/>
-          </a:xfrm>
-          <a:prstGeom prst="rect">
-            <a:avLst/>
-          </a:prstGeom>
-          <a:solidFill>
-            <a:schemeClr val="bg1"/>
-          </a:solidFill>
-        </p:spPr>
-        <p:txBody>
-          <a:bodyPr>
-            <a:noAutofit/>
-          </a:bodyPr>
-          <a:lstStyle/>
-          <a:p>
-            <a:pPr algn="ctr">
-              <a:spcBef>
-                <a:spcPct val="0"/>
-              </a:spcBef>
-              <a:defRPr/>
-            </a:pPr>
-            <a:r>
-              <a:rPr lang="hr-HR" sz="3600" b="1" dirty="0" smtClean="0">
-                <a:solidFill>
-                  <a:prstClr val="black"/>
-                </a:solidFill>
-                <a:ea typeface="+mj-ea"/>
-                <a:cs typeface="+mj-cs"/>
-              </a:rPr>
-              <a:t>Kulturno-civilizacijski krugovi</a:t>
-            </a:r>
-            <a:endParaRPr lang="hr-HR" sz="3600" dirty="0">
-              <a:solidFill>
-                <a:prstClr val="black"/>
-              </a:solidFill>
-              <a:ea typeface="+mj-ea"/>
-              <a:cs typeface="+mj-cs"/>
-            </a:endParaRPr>
-          </a:p>
-        </p:txBody>
-      </p:sp>
-      <p:sp>
-        <p:nvSpPr>
-          <p:cNvPr id="4" name="Naslov 3"/>
-          <p:cNvSpPr txBox="1">
-            <a:spLocks/>
-          </p:cNvSpPr>
-          <p:nvPr/>
-        </p:nvSpPr>
-        <p:spPr>
-          <a:xfrm>
-            <a:off x="4071934" y="4643446"/>
-            <a:ext cx="4000528" cy="857256"/>
-          </a:xfrm>
-          <a:prstGeom prst="rect">
-            <a:avLst/>
-          </a:prstGeom>
-          <a:noFill/>
-        </p:spPr>
-        <p:txBody>
-          <a:bodyPr>
-            <a:noAutofit/>
-          </a:bodyPr>
-          <a:lstStyle/>
-          <a:p>
-            <a:pPr algn="ctr">
-              <a:spcBef>
-                <a:spcPct val="0"/>
-              </a:spcBef>
-              <a:defRPr/>
-            </a:pPr>
-            <a:r>
-              <a:rPr lang="hr-HR" sz="3200" b="1" smtClean="0">
-                <a:solidFill>
-                  <a:srgbClr val="FF0000"/>
-                </a:solidFill>
-                <a:ea typeface="+mj-ea"/>
-                <a:cs typeface="+mj-cs"/>
-              </a:rPr>
-              <a:t>Jugoistočnoeuropski </a:t>
-            </a:r>
-          </a:p>
-          <a:p>
-            <a:pPr algn="ctr">
-              <a:spcBef>
-                <a:spcPct val="0"/>
-              </a:spcBef>
-              <a:defRPr/>
-            </a:pPr>
-            <a:r>
-              <a:rPr lang="hr-HR" sz="3200" b="1" smtClean="0">
-                <a:solidFill>
-                  <a:srgbClr val="FF0000"/>
-                </a:solidFill>
-                <a:ea typeface="+mj-ea"/>
-                <a:cs typeface="+mj-cs"/>
-              </a:rPr>
-              <a:t>ili balkanski</a:t>
-            </a:r>
-            <a:endParaRPr lang="hr-HR" sz="3200" b="1" dirty="0">
-              <a:solidFill>
-                <a:srgbClr val="FF0000"/>
-              </a:solidFill>
-              <a:ea typeface="+mj-ea"/>
-              <a:cs typeface="+mj-cs"/>
-            </a:endParaRPr>
-          </a:p>
-        </p:txBody>
-      </p:sp>
-      <p:sp>
-        <p:nvSpPr>
-          <p:cNvPr id="5" name="Naslov 3"/>
-          <p:cNvSpPr txBox="1">
-            <a:spLocks/>
-          </p:cNvSpPr>
-          <p:nvPr/>
-        </p:nvSpPr>
-        <p:spPr>
-          <a:xfrm>
-            <a:off x="571472" y="3286124"/>
-            <a:ext cx="4000528" cy="857256"/>
-          </a:xfrm>
-          <a:prstGeom prst="rect">
-            <a:avLst/>
-          </a:prstGeom>
-          <a:noFill/>
-        </p:spPr>
-        <p:txBody>
-          <a:bodyPr>
-            <a:noAutofit/>
-          </a:bodyPr>
-          <a:lstStyle/>
-          <a:p>
-            <a:pPr algn="ctr">
-              <a:spcBef>
-                <a:spcPct val="0"/>
-              </a:spcBef>
-              <a:defRPr/>
-            </a:pPr>
-            <a:r>
-              <a:rPr lang="hr-HR" sz="3600" b="1" smtClean="0">
-                <a:solidFill>
-                  <a:srgbClr val="FF0000"/>
-                </a:solidFill>
-                <a:ea typeface="+mj-ea"/>
-                <a:cs typeface="+mj-cs"/>
-              </a:rPr>
-              <a:t>Sredozemni</a:t>
-            </a:r>
-            <a:endParaRPr lang="hr-HR" sz="3600" b="1" dirty="0">
-              <a:solidFill>
-                <a:srgbClr val="FF0000"/>
-              </a:solidFill>
-              <a:ea typeface="+mj-ea"/>
-              <a:cs typeface="+mj-cs"/>
-            </a:endParaRPr>
-          </a:p>
-        </p:txBody>
-      </p:sp>
-      <p:sp>
-        <p:nvSpPr>
-          <p:cNvPr id="6" name="Naslov 3"/>
-          <p:cNvSpPr txBox="1">
-            <a:spLocks/>
-          </p:cNvSpPr>
-          <p:nvPr/>
-        </p:nvSpPr>
-        <p:spPr>
-          <a:xfrm>
-            <a:off x="2071670" y="1071546"/>
-            <a:ext cx="4000528" cy="857256"/>
-          </a:xfrm>
-          <a:prstGeom prst="rect">
-            <a:avLst/>
-          </a:prstGeom>
-          <a:noFill/>
-        </p:spPr>
-        <p:txBody>
-          <a:bodyPr>
-            <a:noAutofit/>
-          </a:bodyPr>
-          <a:lstStyle/>
-          <a:p>
-            <a:pPr algn="ctr">
-              <a:spcBef>
-                <a:spcPct val="0"/>
-              </a:spcBef>
-              <a:defRPr/>
-            </a:pPr>
-            <a:r>
-              <a:rPr lang="hr-HR" sz="3600" b="1" smtClean="0">
-                <a:solidFill>
-                  <a:srgbClr val="FF0000"/>
-                </a:solidFill>
-                <a:ea typeface="+mj-ea"/>
-                <a:cs typeface="+mj-cs"/>
-              </a:rPr>
-              <a:t>Srednjoeuropski</a:t>
-            </a:r>
-            <a:endParaRPr lang="hr-HR" sz="3600" b="1" dirty="0">
-              <a:solidFill>
-                <a:srgbClr val="FF0000"/>
-              </a:solidFill>
-              <a:ea typeface="+mj-ea"/>
-              <a:cs typeface="+mj-cs"/>
-            </a:endParaRPr>
-          </a:p>
-        </p:txBody>
-      </p:sp>
-    </p:spTree>
-    <p:extLst>
-      <p:ext uri="{BB962C8B-B14F-4D97-AF65-F5344CB8AC3E}">
-        <p14:creationId xmlns:p14="http://schemas.microsoft.com/office/powerpoint/2010/main" val="2836274921"/>
-      </p:ext>
-    </p:extLst>
-  </p:cSld>
-  <p:clrMapOvr>
-    <a:masterClrMapping/>
-  </p:clrMapOvr>
-  <mc:AlternateContent xmlns:mc="http://schemas.openxmlformats.org/markup-compatibility/2006">
-    <mc:Choice xmlns:p14="http://schemas.microsoft.com/office/powerpoint/2010/main" Requires="p14">
-      <p:transition p14:dur="250">
-        <p14:reveal/>
-      </p:transition>
-    </mc:Choice>
-    <mc:Fallback>
-      <p:transition>
-        <p:fade/>
-      </p:transition>
-    </mc:Fallback>
-  </mc:AlternateContent>
-  <p:timing>
-    <p:tnLst>
-      <p:par>
-        <p:cTn id="1" dur="indefinite" restart="never" nodeType="tmRoot">
-          <p:childTnLst>
-            <p:seq concurrent="1" nextAc="seek">
-              <p:cTn id="2" dur="indefinite" nodeType="mainSeq">
-                <p:childTnLst>
-                  <p:par>
-                    <p:cTn id="3" fill="hold">
-                      <p:stCondLst>
-                        <p:cond delay="indefinite"/>
-                      </p:stCondLst>
-                      <p:childTnLst>
-                        <p:par>
-                          <p:cTn id="4" fill="hold">
-                            <p:stCondLst>
-                              <p:cond delay="0"/>
-                            </p:stCondLst>
-                            <p:childTnLst>
-                              <p:par>
-                                <p:cTn id="5" presetID="10" presetClass="entr" presetSubtype="0" fill="hold" grpId="0" nodeType="clickEffect">
-                                  <p:stCondLst>
-                                    <p:cond delay="0"/>
-                                  </p:stCondLst>
-                                  <p:childTnLst>
-                                    <p:set>
-                                      <p:cBhvr>
-                                        <p:cTn id="6" dur="1" fill="hold">
-                                          <p:stCondLst>
-                                            <p:cond delay="0"/>
-                                          </p:stCondLst>
-                                        </p:cTn>
-                                        <p:tgtEl>
-                                          <p:spTgt spid="6"/>
-                                        </p:tgtEl>
-                                        <p:attrNameLst>
-                                          <p:attrName>style.visibility</p:attrName>
-                                        </p:attrNameLst>
-                                      </p:cBhvr>
-                                      <p:to>
-                                        <p:strVal val="visible"/>
-                                      </p:to>
-                                    </p:set>
-                                    <p:animEffect transition="in" filter="fade">
-                                      <p:cBhvr>
-                                        <p:cTn id="7" dur="500"/>
-                                        <p:tgtEl>
-                                          <p:spTgt spid="6"/>
-                                        </p:tgtEl>
-                                      </p:cBhvr>
-                                    </p:animEffect>
-                                  </p:childTnLst>
-                                </p:cTn>
-                              </p:par>
-                            </p:childTnLst>
-                          </p:cTn>
-                        </p:par>
-                        <p:par>
-                          <p:cTn id="8" fill="hold">
-                            <p:stCondLst>
-                              <p:cond delay="500"/>
-                            </p:stCondLst>
-                            <p:childTnLst>
-                              <p:par>
-                                <p:cTn id="9" presetID="10" presetClass="entr" presetSubtype="0" fill="hold" grpId="0" nodeType="afterEffect">
-                                  <p:stCondLst>
-                                    <p:cond delay="0"/>
-                                  </p:stCondLst>
-                                  <p:childTnLst>
-                                    <p:set>
-                                      <p:cBhvr>
-                                        <p:cTn id="10" dur="1" fill="hold">
-                                          <p:stCondLst>
-                                            <p:cond delay="0"/>
-                                          </p:stCondLst>
-                                        </p:cTn>
-                                        <p:tgtEl>
-                                          <p:spTgt spid="5"/>
-                                        </p:tgtEl>
-                                        <p:attrNameLst>
-                                          <p:attrName>style.visibility</p:attrName>
-                                        </p:attrNameLst>
-                                      </p:cBhvr>
-                                      <p:to>
-                                        <p:strVal val="visible"/>
-                                      </p:to>
-                                    </p:set>
-                                    <p:animEffect transition="in" filter="fade">
-                                      <p:cBhvr>
-                                        <p:cTn id="11" dur="500"/>
-                                        <p:tgtEl>
-                                          <p:spTgt spid="5"/>
-                                        </p:tgtEl>
-                                      </p:cBhvr>
-                                    </p:animEffect>
-                                  </p:childTnLst>
-                                </p:cTn>
-                              </p:par>
-                            </p:childTnLst>
-                          </p:cTn>
-                        </p:par>
-                        <p:par>
-                          <p:cTn id="12" fill="hold">
-                            <p:stCondLst>
-                              <p:cond delay="1000"/>
-                            </p:stCondLst>
-                            <p:childTnLst>
-                              <p:par>
-                                <p:cTn id="13" presetID="10" presetClass="entr" presetSubtype="0" fill="hold" grpId="0" nodeType="afterEffect">
-                                  <p:stCondLst>
-                                    <p:cond delay="0"/>
-                                  </p:stCondLst>
-                                  <p:childTnLst>
-                                    <p:set>
-                                      <p:cBhvr>
-                                        <p:cTn id="14" dur="1" fill="hold">
-                                          <p:stCondLst>
-                                            <p:cond delay="0"/>
-                                          </p:stCondLst>
-                                        </p:cTn>
-                                        <p:tgtEl>
-                                          <p:spTgt spid="4"/>
-                                        </p:tgtEl>
-                                        <p:attrNameLst>
-                                          <p:attrName>style.visibility</p:attrName>
-                                        </p:attrNameLst>
-                                      </p:cBhvr>
-                                      <p:to>
-                                        <p:strVal val="visible"/>
-                                      </p:to>
-                                    </p:set>
-                                    <p:animEffect transition="in" filter="fade">
-                                      <p:cBhvr>
-                                        <p:cTn id="15" dur="500"/>
-                                        <p:tgtEl>
-                                          <p:spTgt spid="4"/>
-                                        </p:tgtEl>
-                                      </p:cBhvr>
-                                    </p:animEffect>
-                                  </p:childTnLst>
-                                </p:cTn>
-                              </p:par>
-                            </p:childTnLst>
-                          </p:cTn>
-                        </p:par>
-                      </p:childTnLst>
-                    </p:cTn>
-                  </p:par>
-                </p:childTnLst>
-              </p:cTn>
-              <p:prevCondLst>
-                <p:cond evt="onPrev" delay="0">
-                  <p:tgtEl>
-                    <p:sldTgt/>
-                  </p:tgtEl>
-                </p:cond>
-              </p:prevCondLst>
-              <p:nextCondLst>
-                <p:cond evt="onNext" delay="0">
-                  <p:tgtEl>
-                    <p:sldTgt/>
-                  </p:tgtEl>
-                </p:cond>
-              </p:nextCondLst>
-            </p:seq>
-          </p:childTnLst>
-        </p:cTn>
-      </p:par>
-    </p:tnLst>
-    <p:bldLst>
-      <p:bldP spid="4" grpId="0"/>
-      <p:bldP spid="5" grpId="0"/>
-      <p:bldP spid="6" grpId="0"/>
-    </p:bldLst>
-  </p:timing>
-</p:sld>
-</file>
-
-<file path=ppt/slides/slide12.xml><?xml version="1.0" encoding="utf-8"?>
 <p:sld xmlns:a="http://schemas.openxmlformats.org/drawingml/2006/main" xmlns:r="http://schemas.openxmlformats.org/officeDocument/2006/relationships" xmlns:p="http://schemas.openxmlformats.org/presentationml/2006/main">
   <p:cSld>
     <p:spTree>
@@ -9022,11 +7381,6 @@
               </a:rPr>
               <a:t>Srednjoeuropski</a:t>
             </a:r>
-            <a:endParaRPr lang="hr-HR" sz="2000" b="1" dirty="0" smtClean="0">
-              <a:solidFill>
-                <a:srgbClr val="FF0000"/>
-              </a:solidFill>
-            </a:endParaRPr>
           </a:p>
           <a:p>
             <a:pPr marL="648000" lvl="1" indent="-288000">
@@ -9211,13 +7565,13 @@
   <p:clrMapOvr>
     <a:masterClrMapping/>
   </p:clrMapOvr>
-  <mc:AlternateContent xmlns:mc="http://schemas.openxmlformats.org/markup-compatibility/2006">
-    <mc:Choice xmlns:p14="http://schemas.microsoft.com/office/powerpoint/2010/main" Requires="p14">
+  <mc:AlternateContent xmlns:mc="http://schemas.openxmlformats.org/markup-compatibility/2006" xmlns:p14="http://schemas.microsoft.com/office/powerpoint/2010/main">
+    <mc:Choice Requires="p14">
       <p:transition>
         <p14:reveal/>
       </p:transition>
     </mc:Choice>
-    <mc:Fallback>
+    <mc:Fallback xmlns="">
       <p:transition>
         <p:fade/>
       </p:transition>
@@ -9233,7 +7587,7 @@
 </p:sld>
 </file>
 
-<file path=ppt/slides/slide13.xml><?xml version="1.0" encoding="utf-8"?>
+<file path=ppt/slides/slide11.xml><?xml version="1.0" encoding="utf-8"?>
 <p:sld xmlns:a="http://schemas.openxmlformats.org/drawingml/2006/main" xmlns:r="http://schemas.openxmlformats.org/officeDocument/2006/relationships" xmlns:p="http://schemas.openxmlformats.org/presentationml/2006/main">
   <p:cSld>
     <p:spTree>
@@ -9348,15 +7702,7 @@
             </a:r>
             <a:r>
               <a:rPr lang="hr-HR" sz="2200" dirty="0" smtClean="0"/>
-              <a:t>: 56 </a:t>
-            </a:r>
-            <a:r>
-              <a:rPr lang="hr-HR" sz="2200" dirty="0" smtClean="0"/>
-              <a:t>578 </a:t>
-            </a:r>
-            <a:r>
-              <a:rPr lang="hr-HR" sz="2200" dirty="0" smtClean="0"/>
-              <a:t>km² (more </a:t>
+              <a:t>: 56 578 km² (more </a:t>
             </a:r>
             <a:r>
               <a:rPr lang="hr-HR" sz="2200" dirty="0"/>
@@ -9376,11 +7722,7 @@
             </a:r>
             <a:r>
               <a:rPr lang="hr-HR" sz="2200" dirty="0" smtClean="0"/>
-              <a:t>: </a:t>
-            </a:r>
-            <a:r>
-              <a:rPr lang="hr-HR" sz="2200" dirty="0" smtClean="0"/>
-              <a:t>4,28 </a:t>
+              <a:t>: 4,28 </a:t>
             </a:r>
             <a:r>
               <a:rPr lang="hr-HR" sz="2200" dirty="0" err="1" smtClean="0"/>
@@ -9591,367 +7933,13 @@
   <p:clrMapOvr>
     <a:masterClrMapping/>
   </p:clrMapOvr>
-  <mc:AlternateContent xmlns:mc="http://schemas.openxmlformats.org/markup-compatibility/2006">
-    <mc:Choice xmlns:p14="http://schemas.microsoft.com/office/powerpoint/2010/main" Requires="p14">
+  <mc:AlternateContent xmlns:mc="http://schemas.openxmlformats.org/markup-compatibility/2006" xmlns:p14="http://schemas.microsoft.com/office/powerpoint/2010/main">
+    <mc:Choice Requires="p14">
       <p:transition>
         <p14:reveal/>
       </p:transition>
     </mc:Choice>
-    <mc:Fallback>
-      <p:transition>
-        <p:fade/>
-      </p:transition>
-    </mc:Fallback>
-  </mc:AlternateContent>
-  <p:timing>
-    <p:tnLst>
-      <p:par>
-        <p:cTn id="1" dur="indefinite" restart="never" nodeType="tmRoot"/>
-      </p:par>
-    </p:tnLst>
-  </p:timing>
-</p:sld>
-</file>
-
-<file path=ppt/slides/slide14.xml><?xml version="1.0" encoding="utf-8"?>
-<p:sld xmlns:a="http://schemas.openxmlformats.org/drawingml/2006/main" xmlns:r="http://schemas.openxmlformats.org/officeDocument/2006/relationships" xmlns:p="http://schemas.openxmlformats.org/presentationml/2006/main" show="0">
-  <p:cSld>
-    <p:spTree>
-      <p:nvGrpSpPr>
-        <p:cNvPr id="1" name=""/>
-        <p:cNvGrpSpPr/>
-        <p:nvPr/>
-      </p:nvGrpSpPr>
-      <p:grpSpPr>
-        <a:xfrm>
-          <a:off x="0" y="0"/>
-          <a:ext cx="0" cy="0"/>
-          <a:chOff x="0" y="0"/>
-          <a:chExt cx="0" cy="0"/>
-        </a:xfrm>
-      </p:grpSpPr>
-      <p:sp>
-        <p:nvSpPr>
-          <p:cNvPr id="3" name="Rezervirano mjesto sadržaja 2"/>
-          <p:cNvSpPr>
-            <a:spLocks noGrp="1"/>
-          </p:cNvSpPr>
-          <p:nvPr>
-            <p:ph idx="1"/>
-          </p:nvPr>
-        </p:nvSpPr>
-        <p:spPr/>
-        <p:txBody>
-          <a:bodyPr>
-            <a:noAutofit/>
-          </a:bodyPr>
-          <a:lstStyle/>
-          <a:p>
-            <a:pPr>
-              <a:lnSpc>
-                <a:spcPct val="110000"/>
-              </a:lnSpc>
-              <a:buFont typeface="Calibri" pitchFamily="34" charset="0"/>
-              <a:buChar char="–"/>
-            </a:pPr>
-            <a:r>
-              <a:rPr lang="hr-HR" sz="2200" b="1" dirty="0" smtClean="0">
-                <a:solidFill>
-                  <a:srgbClr val="FF0000"/>
-                </a:solidFill>
-              </a:rPr>
-              <a:t>3 regije Hrvatske: </a:t>
-            </a:r>
-          </a:p>
-          <a:p>
-            <a:pPr lvl="1">
-              <a:lnSpc>
-                <a:spcPct val="110000"/>
-              </a:lnSpc>
-              <a:buFont typeface="Calibri" pitchFamily="34" charset="0"/>
-              <a:buChar char="–"/>
-            </a:pPr>
-            <a:r>
-              <a:rPr lang="hr-HR" sz="2200" b="1" dirty="0" smtClean="0">
-                <a:solidFill>
-                  <a:srgbClr val="FF0000"/>
-                </a:solidFill>
-              </a:rPr>
-              <a:t>panonsko-peripanonska</a:t>
-            </a:r>
-            <a:r>
-              <a:rPr lang="hr-HR" sz="2200" dirty="0" smtClean="0">
-                <a:solidFill>
-                  <a:srgbClr val="FF0000"/>
-                </a:solidFill>
-              </a:rPr>
-              <a:t> </a:t>
-            </a:r>
-            <a:r>
-              <a:rPr lang="hr-HR" sz="2200" dirty="0" smtClean="0"/>
-              <a:t>(54% teritorija, 67% stanovništva)</a:t>
-            </a:r>
-          </a:p>
-          <a:p>
-            <a:pPr lvl="1">
-              <a:lnSpc>
-                <a:spcPct val="110000"/>
-              </a:lnSpc>
-              <a:buFont typeface="Calibri" pitchFamily="34" charset="0"/>
-              <a:buChar char="–"/>
-            </a:pPr>
-            <a:r>
-              <a:rPr lang="hr-HR" sz="2200" b="1" dirty="0" smtClean="0">
-                <a:solidFill>
-                  <a:srgbClr val="FF0000"/>
-                </a:solidFill>
-              </a:rPr>
-              <a:t>gorsko-</a:t>
-            </a:r>
-            <a:r>
-              <a:rPr lang="hr-HR" sz="2200" b="1" dirty="0" err="1" smtClean="0">
-                <a:solidFill>
-                  <a:srgbClr val="FF0000"/>
-                </a:solidFill>
-              </a:rPr>
-              <a:t>kotlinska</a:t>
-            </a:r>
-            <a:r>
-              <a:rPr lang="hr-HR" sz="2200" dirty="0" smtClean="0"/>
-              <a:t> (14% teritorija, 2% stanovništva)</a:t>
-            </a:r>
-          </a:p>
-          <a:p>
-            <a:pPr lvl="1">
-              <a:lnSpc>
-                <a:spcPct val="110000"/>
-              </a:lnSpc>
-              <a:buFont typeface="Calibri" pitchFamily="34" charset="0"/>
-              <a:buChar char="–"/>
-            </a:pPr>
-            <a:r>
-              <a:rPr lang="hr-HR" sz="2200" b="1" dirty="0" smtClean="0">
-                <a:solidFill>
-                  <a:srgbClr val="FF0000"/>
-                </a:solidFill>
-              </a:rPr>
-              <a:t>primorska ili jadranska </a:t>
-            </a:r>
-            <a:r>
-              <a:rPr lang="hr-HR" sz="2200" dirty="0" smtClean="0"/>
-              <a:t>(32% teritorija, 31% stanovništva)</a:t>
-            </a:r>
-          </a:p>
-          <a:p>
-            <a:pPr>
-              <a:lnSpc>
-                <a:spcPct val="110000"/>
-              </a:lnSpc>
-              <a:spcBef>
-                <a:spcPts val="1800"/>
-              </a:spcBef>
-              <a:buFont typeface="Calibri" pitchFamily="34" charset="0"/>
-              <a:buChar char="–"/>
-            </a:pPr>
-            <a:r>
-              <a:rPr lang="hr-HR" sz="2200" b="1" dirty="0" smtClean="0">
-                <a:solidFill>
-                  <a:srgbClr val="FF0000"/>
-                </a:solidFill>
-              </a:rPr>
-              <a:t>Hrvatski prometni (gorski) prag</a:t>
-            </a:r>
-            <a:r>
-              <a:rPr lang="hr-HR" sz="2200" dirty="0" smtClean="0"/>
-              <a:t> – najkraći put između panonsko-peripanonskog i primorskog dijela Hrvatske</a:t>
-            </a:r>
-          </a:p>
-          <a:p>
-            <a:pPr>
-              <a:lnSpc>
-                <a:spcPct val="110000"/>
-              </a:lnSpc>
-              <a:spcBef>
-                <a:spcPts val="1800"/>
-              </a:spcBef>
-              <a:buFont typeface="Calibri" pitchFamily="34" charset="0"/>
-              <a:buChar char="–"/>
-            </a:pPr>
-            <a:r>
-              <a:rPr lang="hr-HR" sz="2200" dirty="0"/>
-              <a:t>Hrvatska ima </a:t>
-            </a:r>
-            <a:r>
-              <a:rPr lang="hr-HR" sz="2200" b="1" dirty="0"/>
-              <a:t>križišni</a:t>
-            </a:r>
-            <a:r>
-              <a:rPr lang="hr-HR" sz="2200" dirty="0"/>
-              <a:t> i </a:t>
-            </a:r>
-            <a:r>
-              <a:rPr lang="hr-HR" sz="2200" b="1" dirty="0"/>
-              <a:t>tranzitni</a:t>
-            </a:r>
-            <a:r>
-              <a:rPr lang="hr-HR" sz="2200" dirty="0"/>
-              <a:t> položaj</a:t>
-            </a:r>
-          </a:p>
-          <a:p>
-            <a:pPr>
-              <a:lnSpc>
-                <a:spcPct val="110000"/>
-              </a:lnSpc>
-              <a:spcBef>
-                <a:spcPts val="1800"/>
-              </a:spcBef>
-              <a:buFont typeface="Calibri" pitchFamily="34" charset="0"/>
-              <a:buChar char="–"/>
-            </a:pPr>
-            <a:r>
-              <a:rPr lang="hr-HR" sz="2200" b="1" dirty="0" smtClean="0">
-                <a:solidFill>
-                  <a:srgbClr val="FF0000"/>
-                </a:solidFill>
-              </a:rPr>
-              <a:t>paneuropski koridori koji prolaze Hrvatskom: </a:t>
-            </a:r>
-          </a:p>
-          <a:p>
-            <a:pPr lvl="1">
-              <a:lnSpc>
-                <a:spcPct val="110000"/>
-              </a:lnSpc>
-              <a:buFont typeface="Calibri" pitchFamily="34" charset="0"/>
-              <a:buChar char="–"/>
-            </a:pPr>
-            <a:r>
-              <a:rPr lang="hr-HR" sz="2200" b="1" dirty="0" smtClean="0">
-                <a:solidFill>
-                  <a:srgbClr val="FF0000"/>
-                </a:solidFill>
-              </a:rPr>
-              <a:t>X</a:t>
-            </a:r>
-            <a:r>
-              <a:rPr lang="hr-HR" sz="2200" dirty="0" smtClean="0"/>
-              <a:t> (</a:t>
-            </a:r>
-            <a:r>
-              <a:rPr lang="hr-HR" sz="2200" dirty="0" err="1" smtClean="0"/>
-              <a:t>Salzburg</a:t>
-            </a:r>
-            <a:r>
-              <a:rPr lang="hr-HR" sz="2200" dirty="0" smtClean="0"/>
-              <a:t> – Zagreb – Sofija), </a:t>
-            </a:r>
-          </a:p>
-          <a:p>
-            <a:pPr lvl="1">
-              <a:lnSpc>
-                <a:spcPct val="110000"/>
-              </a:lnSpc>
-              <a:buFont typeface="Calibri" pitchFamily="34" charset="0"/>
-              <a:buChar char="–"/>
-            </a:pPr>
-            <a:r>
-              <a:rPr lang="hr-HR" sz="2200" b="1" dirty="0" err="1" smtClean="0">
-                <a:solidFill>
-                  <a:srgbClr val="FF0000"/>
-                </a:solidFill>
-              </a:rPr>
-              <a:t>Vb</a:t>
-            </a:r>
-            <a:r>
-              <a:rPr lang="hr-HR" sz="2200" dirty="0" smtClean="0"/>
-              <a:t> (Budimpešta – Zagreb – Rijeka)</a:t>
-            </a:r>
-          </a:p>
-          <a:p>
-            <a:pPr lvl="1">
-              <a:lnSpc>
-                <a:spcPct val="110000"/>
-              </a:lnSpc>
-              <a:buFont typeface="Calibri" pitchFamily="34" charset="0"/>
-              <a:buChar char="–"/>
-            </a:pPr>
-            <a:r>
-              <a:rPr lang="hr-HR" sz="2200" b="1" dirty="0" err="1" smtClean="0">
-                <a:solidFill>
-                  <a:srgbClr val="FF0000"/>
-                </a:solidFill>
-              </a:rPr>
-              <a:t>Vc</a:t>
-            </a:r>
-            <a:r>
-              <a:rPr lang="hr-HR" sz="2200" dirty="0" smtClean="0"/>
-              <a:t> (Budimpešta – Osijek – Sarajevo – Ploče)</a:t>
-            </a:r>
-            <a:endParaRPr lang="hr-HR" sz="2200" dirty="0"/>
-          </a:p>
-        </p:txBody>
-      </p:sp>
-      <p:sp>
-        <p:nvSpPr>
-          <p:cNvPr id="7" name="Naslov 1"/>
-          <p:cNvSpPr>
-            <a:spLocks noGrp="1"/>
-          </p:cNvSpPr>
-          <p:nvPr>
-            <p:ph type="title"/>
-          </p:nvPr>
-        </p:nvSpPr>
-        <p:spPr>
-          <a:xfrm>
-            <a:off x="142844" y="20116"/>
-            <a:ext cx="9253692" cy="576064"/>
-          </a:xfrm>
-        </p:spPr>
-        <p:txBody>
-          <a:bodyPr>
-            <a:noAutofit/>
-          </a:bodyPr>
-          <a:lstStyle/>
-          <a:p>
-            <a:pPr algn="l"/>
-            <a:r>
-              <a:rPr lang="hr-HR" sz="3200" dirty="0" smtClean="0"/>
-              <a:t>Geografski položaj Hrvatske </a:t>
-            </a:r>
-            <a:r>
-              <a:rPr lang="hr-HR" sz="2800" b="1" dirty="0" smtClean="0"/>
-              <a:t>		</a:t>
-            </a:r>
-            <a:r>
-              <a:rPr lang="hr-HR" sz="2800" b="1" dirty="0"/>
-              <a:t>	</a:t>
-            </a:r>
-            <a:r>
-              <a:rPr lang="hr-HR" sz="2400" dirty="0" smtClean="0"/>
-              <a:t>(plan ploče)</a:t>
-            </a:r>
-            <a:endParaRPr lang="hr-HR" sz="2800" dirty="0"/>
-          </a:p>
-        </p:txBody>
-      </p:sp>
-    </p:spTree>
-    <p:extLst>
-      <p:ext uri="{BB962C8B-B14F-4D97-AF65-F5344CB8AC3E}">
-        <p14:creationId xmlns:p14="http://schemas.microsoft.com/office/powerpoint/2010/main" val="1368446819"/>
-      </p:ext>
-    </p:extLst>
-  </p:cSld>
-  <p:clrMapOvr>
-    <a:masterClrMapping/>
-  </p:clrMapOvr>
-  <mc:AlternateContent xmlns:mc="http://schemas.openxmlformats.org/markup-compatibility/2006">
-    <mc:Choice xmlns:p14="http://schemas.microsoft.com/office/powerpoint/2010/main" Requires="p14">
-      <p:transition>
-        <p14:reveal/>
-      </p:transition>
-    </mc:Choice>
-    <mc:Fallback>
+    <mc:Fallback xmlns="">
       <p:transition>
         <p:fade/>
       </p:transition>
@@ -9968,283 +7956,6 @@
 </file>
 
 <file path=ppt/slides/slide2.xml><?xml version="1.0" encoding="utf-8"?>
-<p:sld xmlns:a="http://schemas.openxmlformats.org/drawingml/2006/main" xmlns:r="http://schemas.openxmlformats.org/officeDocument/2006/relationships" xmlns:p="http://schemas.openxmlformats.org/presentationml/2006/main" show="0">
-  <p:cSld>
-    <p:spTree>
-      <p:nvGrpSpPr>
-        <p:cNvPr id="1" name=""/>
-        <p:cNvGrpSpPr/>
-        <p:nvPr/>
-      </p:nvGrpSpPr>
-      <p:grpSpPr>
-        <a:xfrm>
-          <a:off x="0" y="0"/>
-          <a:ext cx="0" cy="0"/>
-          <a:chOff x="0" y="0"/>
-          <a:chExt cx="0" cy="0"/>
-        </a:xfrm>
-      </p:grpSpPr>
-      <p:sp>
-        <p:nvSpPr>
-          <p:cNvPr id="2" name="Title 1"/>
-          <p:cNvSpPr>
-            <a:spLocks noGrp="1"/>
-          </p:cNvSpPr>
-          <p:nvPr>
-            <p:ph type="title"/>
-          </p:nvPr>
-        </p:nvSpPr>
-        <p:spPr>
-          <a:xfrm>
-            <a:off x="142844" y="44624"/>
-            <a:ext cx="8858312" cy="576064"/>
-          </a:xfrm>
-        </p:spPr>
-        <p:txBody>
-          <a:bodyPr/>
-          <a:lstStyle/>
-          <a:p>
-            <a:r>
-              <a:rPr lang="hr-HR" sz="3200" dirty="0" smtClean="0"/>
-              <a:t>Lekcije</a:t>
-            </a:r>
-            <a:endParaRPr lang="hr-HR" sz="3200" dirty="0"/>
-          </a:p>
-        </p:txBody>
-      </p:sp>
-      <p:sp>
-        <p:nvSpPr>
-          <p:cNvPr id="3" name="Content Placeholder 2"/>
-          <p:cNvSpPr>
-            <a:spLocks noGrp="1"/>
-          </p:cNvSpPr>
-          <p:nvPr>
-            <p:ph idx="1"/>
-          </p:nvPr>
-        </p:nvSpPr>
-        <p:spPr/>
-        <p:txBody>
-          <a:bodyPr>
-            <a:normAutofit/>
-          </a:bodyPr>
-          <a:lstStyle/>
-          <a:p>
-            <a:pPr>
-              <a:buFont typeface="Calibri" pitchFamily="34" charset="0"/>
-              <a:buChar char="–"/>
-            </a:pPr>
-            <a:r>
-              <a:rPr lang="hr-HR" sz="2400" dirty="0" smtClean="0"/>
-              <a:t>Geografski položaj Hrvatske</a:t>
-            </a:r>
-          </a:p>
-          <a:p>
-            <a:pPr>
-              <a:buFont typeface="Calibri" pitchFamily="34" charset="0"/>
-              <a:buChar char="–"/>
-            </a:pPr>
-            <a:r>
-              <a:rPr lang="hr-HR" sz="2400" dirty="0" smtClean="0"/>
-              <a:t>Hrvatske geografske, povijesne i upravne regije</a:t>
-            </a:r>
-          </a:p>
-          <a:p>
-            <a:pPr>
-              <a:buFont typeface="Calibri" pitchFamily="34" charset="0"/>
-              <a:buChar char="–"/>
-            </a:pPr>
-            <a:r>
-              <a:rPr lang="hr-HR" sz="2400" dirty="0" smtClean="0"/>
-              <a:t>Hrvatska i europski prometni pravci</a:t>
-            </a:r>
-          </a:p>
-          <a:p>
-            <a:pPr>
-              <a:buFont typeface="Calibri" pitchFamily="34" charset="0"/>
-              <a:buChar char="–"/>
-            </a:pPr>
-            <a:r>
-              <a:rPr lang="hr-HR" sz="2400" dirty="0" smtClean="0"/>
-              <a:t>Teritorijalni razvoj Hrvatske</a:t>
-            </a:r>
-          </a:p>
-          <a:p>
-            <a:pPr>
-              <a:buFont typeface="Calibri" pitchFamily="34" charset="0"/>
-              <a:buChar char="–"/>
-            </a:pPr>
-            <a:endParaRPr lang="hr-HR" sz="2400" dirty="0" smtClean="0"/>
-          </a:p>
-        </p:txBody>
-      </p:sp>
-    </p:spTree>
-    <p:extLst>
-      <p:ext uri="{BB962C8B-B14F-4D97-AF65-F5344CB8AC3E}">
-        <p14:creationId xmlns:p14="http://schemas.microsoft.com/office/powerpoint/2010/main" val="1414176358"/>
-      </p:ext>
-    </p:extLst>
-  </p:cSld>
-  <p:clrMapOvr>
-    <a:masterClrMapping/>
-  </p:clrMapOvr>
-  <mc:AlternateContent xmlns:mc="http://schemas.openxmlformats.org/markup-compatibility/2006">
-    <mc:Choice xmlns:p14="http://schemas.microsoft.com/office/powerpoint/2010/main" Requires="p14">
-      <p:transition>
-        <p14:reveal/>
-      </p:transition>
-    </mc:Choice>
-    <mc:Fallback>
-      <p:transition>
-        <p:fade/>
-      </p:transition>
-    </mc:Fallback>
-  </mc:AlternateContent>
-  <p:timing>
-    <p:tnLst>
-      <p:par>
-        <p:cTn id="1" dur="indefinite" restart="never" nodeType="tmRoot"/>
-      </p:par>
-    </p:tnLst>
-  </p:timing>
-</p:sld>
-</file>
-
-<file path=ppt/slides/slide3.xml><?xml version="1.0" encoding="utf-8"?>
-<p:sld xmlns:a="http://schemas.openxmlformats.org/drawingml/2006/main" xmlns:r="http://schemas.openxmlformats.org/officeDocument/2006/relationships" xmlns:p="http://schemas.openxmlformats.org/presentationml/2006/main">
-  <p:cSld>
-    <p:spTree>
-      <p:nvGrpSpPr>
-        <p:cNvPr id="1" name=""/>
-        <p:cNvGrpSpPr/>
-        <p:nvPr/>
-      </p:nvGrpSpPr>
-      <p:grpSpPr>
-        <a:xfrm>
-          <a:off x="0" y="0"/>
-          <a:ext cx="0" cy="0"/>
-          <a:chOff x="0" y="0"/>
-          <a:chExt cx="0" cy="0"/>
-        </a:xfrm>
-      </p:grpSpPr>
-      <p:pic>
-        <p:nvPicPr>
-          <p:cNvPr id="1026" name="Picture 2"/>
-          <p:cNvPicPr>
-            <a:picLocks noChangeAspect="1" noChangeArrowheads="1"/>
-          </p:cNvPicPr>
-          <p:nvPr/>
-        </p:nvPicPr>
-        <p:blipFill rotWithShape="1">
-          <a:blip r:embed="rId2" cstate="email">
-            <a:extLst>
-              <a:ext uri="{28A0092B-C50C-407E-A947-70E740481C1C}">
-                <a14:useLocalDpi xmlns:a14="http://schemas.microsoft.com/office/drawing/2010/main" val="0"/>
-              </a:ext>
-            </a:extLst>
-          </a:blip>
-          <a:srcRect b="-1"/>
-          <a:stretch/>
-        </p:blipFill>
-        <p:spPr bwMode="auto">
-          <a:xfrm>
-            <a:off x="1869767" y="0"/>
-            <a:ext cx="7310744" cy="6858000"/>
-          </a:xfrm>
-          <a:prstGeom prst="rect">
-            <a:avLst/>
-          </a:prstGeom>
-          <a:noFill/>
-          <a:extLst>
-            <a:ext uri="{909E8E84-426E-40DD-AFC4-6F175D3DCCD1}">
-              <a14:hiddenFill xmlns:a14="http://schemas.microsoft.com/office/drawing/2010/main">
-                <a:solidFill>
-                  <a:srgbClr val="FFFFFF"/>
-                </a:solidFill>
-              </a14:hiddenFill>
-            </a:ext>
-          </a:extLst>
-        </p:spPr>
-      </p:pic>
-      <p:sp>
-        <p:nvSpPr>
-          <p:cNvPr id="2" name="Naslov 1"/>
-          <p:cNvSpPr>
-            <a:spLocks noGrp="1"/>
-          </p:cNvSpPr>
-          <p:nvPr>
-            <p:ph type="ctrTitle"/>
-          </p:nvPr>
-        </p:nvSpPr>
-        <p:spPr/>
-        <p:txBody>
-          <a:bodyPr>
-            <a:normAutofit/>
-          </a:bodyPr>
-          <a:lstStyle/>
-          <a:p>
-            <a:r>
-              <a:rPr lang="hr-HR" sz="4800" b="1" dirty="0" smtClean="0">
-                <a:solidFill>
-                  <a:srgbClr val="FF0000"/>
-                </a:solidFill>
-                <a:effectLst>
-                  <a:outerShdw blurRad="38100" dist="38100" dir="2700000" algn="tl">
-                    <a:srgbClr val="000000">
-                      <a:alpha val="43137"/>
-                    </a:srgbClr>
-                  </a:outerShdw>
-                </a:effectLst>
-              </a:rPr>
-              <a:t>Geografski položaj Hrvatske</a:t>
-            </a:r>
-            <a:endParaRPr lang="hr-HR" sz="4800" dirty="0">
-              <a:solidFill>
-                <a:srgbClr val="FF0000"/>
-              </a:solidFill>
-              <a:effectLst>
-                <a:outerShdw blurRad="38100" dist="38100" dir="2700000" algn="tl">
-                  <a:srgbClr val="000000">
-                    <a:alpha val="43137"/>
-                  </a:srgbClr>
-                </a:outerShdw>
-              </a:effectLst>
-            </a:endParaRPr>
-          </a:p>
-        </p:txBody>
-      </p:sp>
-    </p:spTree>
-    <p:extLst>
-      <p:ext uri="{BB962C8B-B14F-4D97-AF65-F5344CB8AC3E}">
-        <p14:creationId xmlns:p14="http://schemas.microsoft.com/office/powerpoint/2010/main" val="3325233708"/>
-      </p:ext>
-    </p:extLst>
-  </p:cSld>
-  <p:clrMapOvr>
-    <a:masterClrMapping/>
-  </p:clrMapOvr>
-  <mc:AlternateContent xmlns:mc="http://schemas.openxmlformats.org/markup-compatibility/2006">
-    <mc:Choice xmlns:p14="http://schemas.microsoft.com/office/powerpoint/2010/main" Requires="p14">
-      <p:transition>
-        <p14:reveal/>
-      </p:transition>
-    </mc:Choice>
-    <mc:Fallback>
-      <p:transition>
-        <p:fade/>
-      </p:transition>
-    </mc:Fallback>
-  </mc:AlternateContent>
-  <p:timing>
-    <p:tnLst>
-      <p:par>
-        <p:cTn id="1" dur="indefinite" restart="never" nodeType="tmRoot"/>
-      </p:par>
-    </p:tnLst>
-  </p:timing>
-</p:sld>
-</file>
-
-<file path=ppt/slides/slide4.xml><?xml version="1.0" encoding="utf-8"?>
 <p:sld xmlns:a="http://schemas.openxmlformats.org/drawingml/2006/main" xmlns:r="http://schemas.openxmlformats.org/officeDocument/2006/relationships" xmlns:p="http://schemas.openxmlformats.org/presentationml/2006/main">
   <p:cSld>
     <p:spTree>
@@ -10406,15 +8117,7 @@
             </a:r>
             <a:r>
               <a:rPr lang="hr-HR" sz="2400" dirty="0" smtClean="0"/>
-              <a:t>:  56 </a:t>
-            </a:r>
-            <a:r>
-              <a:rPr lang="hr-HR" sz="2400" dirty="0" smtClean="0"/>
-              <a:t>578 </a:t>
-            </a:r>
-            <a:r>
-              <a:rPr lang="hr-HR" sz="2400" dirty="0" smtClean="0"/>
-              <a:t>km</a:t>
+              <a:t>:  56 578 km</a:t>
             </a:r>
             <a:r>
               <a:rPr lang="hr-HR" sz="2400" baseline="30000" dirty="0" smtClean="0"/>
@@ -10432,7 +8135,6 @@
               <a:rPr lang="hr-HR" sz="2400" dirty="0" smtClean="0"/>
               <a:t>) – 25. po veličini u Europi</a:t>
             </a:r>
-            <a:endParaRPr lang="hr-HR" sz="2400" dirty="0" smtClean="0"/>
           </a:p>
           <a:p>
             <a:pPr>
@@ -10446,15 +8148,7 @@
             </a:r>
             <a:r>
               <a:rPr lang="hr-HR" sz="2400" dirty="0" smtClean="0"/>
-              <a:t>:  </a:t>
-            </a:r>
-            <a:r>
-              <a:rPr lang="hr-HR" sz="2400" dirty="0" smtClean="0"/>
-              <a:t>4,28 </a:t>
-            </a:r>
-            <a:r>
-              <a:rPr lang="hr-HR" sz="2400" dirty="0" smtClean="0"/>
-              <a:t>mil. st. </a:t>
+              <a:t>:  4,28 mil. st. </a:t>
             </a:r>
           </a:p>
           <a:p>
@@ -10465,21 +8159,12 @@
             </a:pPr>
             <a:r>
               <a:rPr lang="hr-HR" sz="2400" b="1" dirty="0" smtClean="0"/>
-              <a:t>Glavni </a:t>
-            </a:r>
-            <a:r>
-              <a:rPr lang="hr-HR" sz="2400" b="1" dirty="0" smtClean="0"/>
-              <a:t>grad</a:t>
+              <a:t>Glavni grad</a:t>
             </a:r>
             <a:r>
               <a:rPr lang="hr-HR" sz="2400" dirty="0" smtClean="0"/>
-              <a:t>: Zagreb (687 000 st – 2015</a:t>
-            </a:r>
-            <a:r>
-              <a:rPr lang="hr-HR" sz="2400" dirty="0" smtClean="0"/>
-              <a:t>.)</a:t>
-            </a:r>
-            <a:endParaRPr lang="hr-HR" sz="2400" dirty="0" smtClean="0"/>
+              <a:t>: Zagreb (687 000 st – 2015.)</a:t>
+            </a:r>
           </a:p>
         </p:txBody>
       </p:sp>
@@ -10557,13 +8242,13 @@
   <p:clrMapOvr>
     <a:masterClrMapping/>
   </p:clrMapOvr>
-  <mc:AlternateContent xmlns:mc="http://schemas.openxmlformats.org/markup-compatibility/2006">
-    <mc:Choice xmlns:p14="http://schemas.microsoft.com/office/powerpoint/2010/main" Requires="p14">
+  <mc:AlternateContent xmlns:mc="http://schemas.openxmlformats.org/markup-compatibility/2006" xmlns:p14="http://schemas.microsoft.com/office/powerpoint/2010/main">
+    <mc:Choice Requires="p14">
       <p:transition>
         <p14:reveal/>
       </p:transition>
     </mc:Choice>
-    <mc:Fallback>
+    <mc:Fallback xmlns="">
       <p:transition>
         <p:fade/>
       </p:transition>
@@ -10579,7 +8264,7 @@
 </p:sld>
 </file>
 
-<file path=ppt/slides/slide5.xml><?xml version="1.0" encoding="utf-8"?>
+<file path=ppt/slides/slide3.xml><?xml version="1.0" encoding="utf-8"?>
 <p:sld xmlns:a="http://schemas.openxmlformats.org/drawingml/2006/main" xmlns:r="http://schemas.openxmlformats.org/officeDocument/2006/relationships" xmlns:p="http://schemas.openxmlformats.org/presentationml/2006/main">
   <p:cSld>
     <p:spTree>
@@ -13155,13 +10840,13 @@
   <p:clrMapOvr>
     <a:masterClrMapping/>
   </p:clrMapOvr>
-  <mc:AlternateContent xmlns:mc="http://schemas.openxmlformats.org/markup-compatibility/2006">
-    <mc:Choice xmlns:p14="http://schemas.microsoft.com/office/powerpoint/2010/main" Requires="p14">
+  <mc:AlternateContent xmlns:mc="http://schemas.openxmlformats.org/markup-compatibility/2006" xmlns:p14="http://schemas.microsoft.com/office/powerpoint/2010/main">
+    <mc:Choice Requires="p14">
       <p:transition>
         <p14:reveal/>
       </p:transition>
     </mc:Choice>
-    <mc:Fallback>
+    <mc:Fallback xmlns="">
       <p:transition>
         <p:fade/>
       </p:transition>
@@ -13177,7 +10862,7 @@
 </p:sld>
 </file>
 
-<file path=ppt/slides/slide6.xml><?xml version="1.0" encoding="utf-8"?>
+<file path=ppt/slides/slide4.xml><?xml version="1.0" encoding="utf-8"?>
 <p:sld xmlns:a="http://schemas.openxmlformats.org/drawingml/2006/main" xmlns:r="http://schemas.openxmlformats.org/officeDocument/2006/relationships" xmlns:p="http://schemas.openxmlformats.org/presentationml/2006/main">
   <p:cSld>
     <p:spTree>
@@ -13435,13 +11120,13 @@
   <p:clrMapOvr>
     <a:masterClrMapping/>
   </p:clrMapOvr>
-  <mc:AlternateContent xmlns:mc="http://schemas.openxmlformats.org/markup-compatibility/2006">
-    <mc:Choice xmlns:p14="http://schemas.microsoft.com/office/powerpoint/2010/main" Requires="p14">
+  <mc:AlternateContent xmlns:mc="http://schemas.openxmlformats.org/markup-compatibility/2006" xmlns:p14="http://schemas.microsoft.com/office/powerpoint/2010/main">
+    <mc:Choice Requires="p14">
       <p:transition>
         <p14:reveal/>
       </p:transition>
     </mc:Choice>
-    <mc:Fallback>
+    <mc:Fallback xmlns="">
       <p:transition>
         <p:fade/>
       </p:transition>
@@ -13457,7 +11142,7 @@
 </p:sld>
 </file>
 
-<file path=ppt/slides/slide7.xml><?xml version="1.0" encoding="utf-8"?>
+<file path=ppt/slides/slide5.xml><?xml version="1.0" encoding="utf-8"?>
 <p:sld xmlns:a="http://schemas.openxmlformats.org/drawingml/2006/main" xmlns:r="http://schemas.openxmlformats.org/officeDocument/2006/relationships" xmlns:p="http://schemas.openxmlformats.org/presentationml/2006/main">
   <p:cSld>
     <p:spTree>
@@ -13589,13 +11274,13 @@
   <p:clrMapOvr>
     <a:masterClrMapping/>
   </p:clrMapOvr>
-  <mc:AlternateContent xmlns:mc="http://schemas.openxmlformats.org/markup-compatibility/2006">
-    <mc:Choice xmlns:p14="http://schemas.microsoft.com/office/powerpoint/2010/main" Requires="p14">
+  <mc:AlternateContent xmlns:mc="http://schemas.openxmlformats.org/markup-compatibility/2006" xmlns:p14="http://schemas.microsoft.com/office/powerpoint/2010/main">
+    <mc:Choice Requires="p14">
       <p:transition>
         <p14:reveal/>
       </p:transition>
     </mc:Choice>
-    <mc:Fallback>
+    <mc:Fallback xmlns="">
       <p:transition>
         <p:fade/>
       </p:transition>
@@ -13611,7 +11296,7 @@
 </p:sld>
 </file>
 
-<file path=ppt/slides/slide8.xml><?xml version="1.0" encoding="utf-8"?>
+<file path=ppt/slides/slide6.xml><?xml version="1.0" encoding="utf-8"?>
 <p:sld xmlns:a="http://schemas.openxmlformats.org/drawingml/2006/main" xmlns:r="http://schemas.openxmlformats.org/officeDocument/2006/relationships" xmlns:p="http://schemas.openxmlformats.org/presentationml/2006/main">
   <p:cSld>
     <p:spTree>
@@ -15215,13 +12900,13 @@
   <p:clrMapOvr>
     <a:masterClrMapping/>
   </p:clrMapOvr>
-  <mc:AlternateContent xmlns:mc="http://schemas.openxmlformats.org/markup-compatibility/2006">
-    <mc:Choice xmlns:p14="http://schemas.microsoft.com/office/powerpoint/2010/main" Requires="p14">
+  <mc:AlternateContent xmlns:mc="http://schemas.openxmlformats.org/markup-compatibility/2006" xmlns:p14="http://schemas.microsoft.com/office/powerpoint/2010/main">
+    <mc:Choice Requires="p14">
       <p:transition>
         <p14:reveal/>
       </p:transition>
     </mc:Choice>
-    <mc:Fallback>
+    <mc:Fallback xmlns="">
       <p:transition>
         <p:fade/>
       </p:transition>
@@ -15316,7 +13001,7 @@
 </p:sld>
 </file>
 
-<file path=ppt/slides/slide9.xml><?xml version="1.0" encoding="utf-8"?>
+<file path=ppt/slides/slide7.xml><?xml version="1.0" encoding="utf-8"?>
 <p:sld xmlns:a="http://schemas.openxmlformats.org/drawingml/2006/main" xmlns:r="http://schemas.openxmlformats.org/officeDocument/2006/relationships" xmlns:p="http://schemas.openxmlformats.org/presentationml/2006/main">
   <p:cSld>
     <p:spTree>
@@ -15563,11 +13248,7 @@
             </a:r>
             <a:r>
               <a:rPr lang="hr-HR" dirty="0" smtClean="0"/>
-              <a:t>smještaj </a:t>
-            </a:r>
-            <a:r>
-              <a:rPr lang="hr-HR" dirty="0" smtClean="0"/>
-              <a:t>u koordinatnoj mreži</a:t>
+              <a:t>smještaj u koordinatnoj mreži</a:t>
             </a:r>
             <a:endParaRPr lang="hr-HR" sz="2400" dirty="0"/>
           </a:p>
@@ -15583,13 +13264,13 @@
   <p:clrMapOvr>
     <a:masterClrMapping/>
   </p:clrMapOvr>
-  <mc:AlternateContent xmlns:mc="http://schemas.openxmlformats.org/markup-compatibility/2006">
-    <mc:Choice xmlns:p14="http://schemas.microsoft.com/office/powerpoint/2010/main" Requires="p14">
+  <mc:AlternateContent xmlns:mc="http://schemas.openxmlformats.org/markup-compatibility/2006" xmlns:p14="http://schemas.microsoft.com/office/powerpoint/2010/main">
+    <mc:Choice Requires="p14">
       <p:transition>
         <p14:reveal/>
       </p:transition>
     </mc:Choice>
-    <mc:Fallback>
+    <mc:Fallback xmlns="">
       <p:transition>
         <p:fade/>
       </p:transition>
@@ -15682,6 +13363,1596 @@
     </p:tnLst>
     <p:bldLst>
       <p:bldP spid="11" grpId="0"/>
+    </p:bldLst>
+  </p:timing>
+</p:sld>
+</file>
+
+<file path=ppt/slides/slide8.xml><?xml version="1.0" encoding="utf-8"?>
+<p:sld xmlns:a="http://schemas.openxmlformats.org/drawingml/2006/main" xmlns:r="http://schemas.openxmlformats.org/officeDocument/2006/relationships" xmlns:p="http://schemas.openxmlformats.org/presentationml/2006/main">
+  <p:cSld>
+    <p:spTree>
+      <p:nvGrpSpPr>
+        <p:cNvPr id="1" name=""/>
+        <p:cNvGrpSpPr/>
+        <p:nvPr/>
+      </p:nvGrpSpPr>
+      <p:grpSpPr>
+        <a:xfrm>
+          <a:off x="0" y="0"/>
+          <a:ext cx="0" cy="0"/>
+          <a:chOff x="0" y="0"/>
+          <a:chExt cx="0" cy="0"/>
+        </a:xfrm>
+      </p:grpSpPr>
+      <p:sp>
+        <p:nvSpPr>
+          <p:cNvPr id="2" name="Title 1"/>
+          <p:cNvSpPr>
+            <a:spLocks noGrp="1"/>
+          </p:cNvSpPr>
+          <p:nvPr>
+            <p:ph type="title"/>
+          </p:nvPr>
+        </p:nvSpPr>
+        <p:spPr/>
+        <p:txBody>
+          <a:bodyPr/>
+          <a:lstStyle/>
+          <a:p>
+            <a:r>
+              <a:rPr lang="hr-HR" sz="4000" b="1" dirty="0" smtClean="0">
+                <a:solidFill>
+                  <a:srgbClr val="FF0000"/>
+                </a:solidFill>
+              </a:rPr>
+              <a:t>GRANICE RH</a:t>
+            </a:r>
+            <a:endParaRPr lang="hr-HR" b="1" dirty="0">
+              <a:solidFill>
+                <a:srgbClr val="FF0000"/>
+              </a:solidFill>
+            </a:endParaRPr>
+          </a:p>
+        </p:txBody>
+      </p:sp>
+      <p:pic>
+        <p:nvPicPr>
+          <p:cNvPr id="4" name="Picture 2"/>
+          <p:cNvPicPr>
+            <a:picLocks noChangeAspect="1" noChangeArrowheads="1"/>
+          </p:cNvPicPr>
+          <p:nvPr/>
+        </p:nvPicPr>
+        <p:blipFill>
+          <a:blip r:embed="rId2">
+            <a:extLst>
+              <a:ext uri="{BEBA8EAE-BF5A-486C-A8C5-ECC9F3942E4B}">
+                <a14:imgProps xmlns:a14="http://schemas.microsoft.com/office/drawing/2010/main">
+                  <a14:imgLayer r:embed="rId3">
+                    <a14:imgEffect>
+                      <a14:sharpenSoften amount="25000"/>
+                    </a14:imgEffect>
+                  </a14:imgLayer>
+                </a14:imgProps>
+              </a:ext>
+              <a:ext uri="{28A0092B-C50C-407E-A947-70E740481C1C}">
+                <a14:useLocalDpi xmlns:a14="http://schemas.microsoft.com/office/drawing/2010/main" val="0"/>
+              </a:ext>
+            </a:extLst>
+          </a:blip>
+          <a:srcRect/>
+          <a:stretch>
+            <a:fillRect/>
+          </a:stretch>
+        </p:blipFill>
+        <p:spPr bwMode="auto">
+          <a:xfrm>
+            <a:off x="2929944" y="65403"/>
+            <a:ext cx="6237868" cy="6792597"/>
+          </a:xfrm>
+          <a:prstGeom prst="rect">
+            <a:avLst/>
+          </a:prstGeom>
+          <a:noFill/>
+          <a:ln>
+            <a:noFill/>
+          </a:ln>
+          <a:effectLst/>
+          <a:extLst>
+            <a:ext uri="{909E8E84-426E-40DD-AFC4-6F175D3DCCD1}">
+              <a14:hiddenFill xmlns:a14="http://schemas.microsoft.com/office/drawing/2010/main">
+                <a:solidFill>
+                  <a:schemeClr val="accent1"/>
+                </a:solidFill>
+              </a14:hiddenFill>
+            </a:ext>
+            <a:ext uri="{91240B29-F687-4F45-9708-019B960494DF}">
+              <a14:hiddenLine xmlns:a14="http://schemas.microsoft.com/office/drawing/2010/main" w="9525">
+                <a:solidFill>
+                  <a:schemeClr val="tx1"/>
+                </a:solidFill>
+                <a:miter lim="800000"/>
+                <a:headEnd/>
+                <a:tailEnd/>
+              </a14:hiddenLine>
+            </a:ext>
+            <a:ext uri="{AF507438-7753-43E0-B8FC-AC1667EBCBE1}">
+              <a14:hiddenEffects xmlns:a14="http://schemas.microsoft.com/office/drawing/2010/main">
+                <a:effectLst>
+                  <a:outerShdw dist="35921" dir="2700000" algn="ctr" rotWithShape="0">
+                    <a:schemeClr val="bg2"/>
+                  </a:outerShdw>
+                </a:effectLst>
+              </a14:hiddenEffects>
+            </a:ext>
+          </a:extLst>
+        </p:spPr>
+      </p:pic>
+      <p:pic>
+        <p:nvPicPr>
+          <p:cNvPr id="6" name="Picture 2"/>
+          <p:cNvPicPr>
+            <a:picLocks noChangeAspect="1" noChangeArrowheads="1"/>
+          </p:cNvPicPr>
+          <p:nvPr/>
+        </p:nvPicPr>
+        <p:blipFill rotWithShape="1">
+          <a:blip r:embed="rId4">
+            <a:extLst>
+              <a:ext uri="{BEBA8EAE-BF5A-486C-A8C5-ECC9F3942E4B}">
+                <a14:imgProps xmlns:a14="http://schemas.microsoft.com/office/drawing/2010/main">
+                  <a14:imgLayer r:embed="rId5">
+                    <a14:imgEffect>
+                      <a14:sharpenSoften amount="50000"/>
+                    </a14:imgEffect>
+                    <a14:imgEffect>
+                      <a14:brightnessContrast bright="2000" contrast="4000"/>
+                    </a14:imgEffect>
+                  </a14:imgLayer>
+                </a14:imgProps>
+              </a:ext>
+            </a:extLst>
+          </a:blip>
+          <a:srcRect t="26613"/>
+          <a:stretch/>
+        </p:blipFill>
+        <p:spPr bwMode="auto">
+          <a:xfrm>
+            <a:off x="0" y="3314889"/>
+            <a:ext cx="4852884" cy="3498487"/>
+          </a:xfrm>
+          <a:prstGeom prst="rect">
+            <a:avLst/>
+          </a:prstGeom>
+          <a:noFill/>
+          <a:ln>
+            <a:noFill/>
+          </a:ln>
+        </p:spPr>
+      </p:pic>
+      <p:grpSp>
+        <p:nvGrpSpPr>
+          <p:cNvPr id="16" name="Group 15"/>
+          <p:cNvGrpSpPr/>
+          <p:nvPr/>
+        </p:nvGrpSpPr>
+        <p:grpSpPr>
+          <a:xfrm>
+            <a:off x="-4706" y="908720"/>
+            <a:ext cx="3977186" cy="2149223"/>
+            <a:chOff x="-4706" y="908720"/>
+            <a:chExt cx="3977186" cy="2149223"/>
+          </a:xfrm>
+        </p:grpSpPr>
+        <p:pic>
+          <p:nvPicPr>
+            <p:cNvPr id="7" name="Picture 2"/>
+            <p:cNvPicPr>
+              <a:picLocks noChangeAspect="1" noChangeArrowheads="1"/>
+            </p:cNvPicPr>
+            <p:nvPr/>
+          </p:nvPicPr>
+          <p:blipFill rotWithShape="1">
+            <a:blip r:embed="rId6">
+              <a:extLst>
+                <a:ext uri="{BEBA8EAE-BF5A-486C-A8C5-ECC9F3942E4B}">
+                  <a14:imgProps xmlns:a14="http://schemas.microsoft.com/office/drawing/2010/main">
+                    <a14:imgLayer r:embed="rId3">
+                      <a14:imgEffect>
+                        <a14:brightnessContrast contrast="5000"/>
+                      </a14:imgEffect>
+                    </a14:imgLayer>
+                  </a14:imgProps>
+                </a:ext>
+                <a:ext uri="{28A0092B-C50C-407E-A947-70E740481C1C}">
+                  <a14:useLocalDpi xmlns:a14="http://schemas.microsoft.com/office/drawing/2010/main" val="0"/>
+                </a:ext>
+              </a:extLst>
+            </a:blip>
+            <a:srcRect l="825" t="79751" r="94657" b="8522"/>
+            <a:stretch/>
+          </p:blipFill>
+          <p:spPr bwMode="auto">
+            <a:xfrm>
+              <a:off x="-4706" y="908720"/>
+              <a:ext cx="760282" cy="2149223"/>
+            </a:xfrm>
+            <a:prstGeom prst="rect">
+              <a:avLst/>
+            </a:prstGeom>
+            <a:noFill/>
+            <a:ln>
+              <a:noFill/>
+            </a:ln>
+            <a:effectLst/>
+            <a:extLst>
+              <a:ext uri="{909E8E84-426E-40DD-AFC4-6F175D3DCCD1}">
+                <a14:hiddenFill xmlns:a14="http://schemas.microsoft.com/office/drawing/2010/main">
+                  <a:solidFill>
+                    <a:schemeClr val="accent1"/>
+                  </a:solidFill>
+                </a14:hiddenFill>
+              </a:ext>
+              <a:ext uri="{91240B29-F687-4F45-9708-019B960494DF}">
+                <a14:hiddenLine xmlns:a14="http://schemas.microsoft.com/office/drawing/2010/main" w="9525">
+                  <a:solidFill>
+                    <a:schemeClr val="tx1"/>
+                  </a:solidFill>
+                  <a:miter lim="800000"/>
+                  <a:headEnd/>
+                  <a:tailEnd/>
+                </a14:hiddenLine>
+              </a:ext>
+              <a:ext uri="{AF507438-7753-43E0-B8FC-AC1667EBCBE1}">
+                <a14:hiddenEffects xmlns:a14="http://schemas.microsoft.com/office/drawing/2010/main">
+                  <a:effectLst>
+                    <a:outerShdw dist="35921" dir="2700000" algn="ctr" rotWithShape="0">
+                      <a:schemeClr val="bg2"/>
+                    </a:outerShdw>
+                  </a:effectLst>
+                </a14:hiddenEffects>
+              </a:ext>
+            </a:extLst>
+          </p:spPr>
+        </p:pic>
+        <p:sp>
+          <p:nvSpPr>
+            <p:cNvPr id="8" name="TextBox 7"/>
+            <p:cNvSpPr txBox="1"/>
+            <p:nvPr/>
+          </p:nvSpPr>
+          <p:spPr>
+            <a:xfrm>
+              <a:off x="611560" y="925280"/>
+              <a:ext cx="3039743" cy="369332"/>
+            </a:xfrm>
+            <a:prstGeom prst="rect">
+              <a:avLst/>
+            </a:prstGeom>
+            <a:solidFill>
+              <a:schemeClr val="bg1"/>
+            </a:solidFill>
+          </p:spPr>
+          <p:txBody>
+            <a:bodyPr wrap="none" rtlCol="0">
+              <a:spAutoFit/>
+            </a:bodyPr>
+            <a:lstStyle/>
+            <a:p>
+              <a:r>
+                <a:rPr lang="hr-HR" dirty="0" smtClean="0"/>
+                <a:t>GRANICA UNUTARNJEG MORA</a:t>
+              </a:r>
+              <a:endParaRPr lang="hr-HR" dirty="0"/>
+            </a:p>
+          </p:txBody>
+        </p:sp>
+        <p:sp>
+          <p:nvSpPr>
+            <p:cNvPr id="9" name="TextBox 8"/>
+            <p:cNvSpPr txBox="1"/>
+            <p:nvPr/>
+          </p:nvSpPr>
+          <p:spPr>
+            <a:xfrm>
+              <a:off x="611560" y="1335186"/>
+              <a:ext cx="1955600" cy="369332"/>
+            </a:xfrm>
+            <a:prstGeom prst="rect">
+              <a:avLst/>
+            </a:prstGeom>
+            <a:noFill/>
+          </p:spPr>
+          <p:txBody>
+            <a:bodyPr wrap="none" rtlCol="0">
+              <a:spAutoFit/>
+            </a:bodyPr>
+            <a:lstStyle/>
+            <a:p>
+              <a:r>
+                <a:rPr lang="hr-HR" dirty="0" smtClean="0"/>
+                <a:t>UNUTARNJE MORE</a:t>
+              </a:r>
+              <a:endParaRPr lang="hr-HR" dirty="0"/>
+            </a:p>
+          </p:txBody>
+        </p:sp>
+        <p:sp>
+          <p:nvSpPr>
+            <p:cNvPr id="10" name="TextBox 9"/>
+            <p:cNvSpPr txBox="1"/>
+            <p:nvPr/>
+          </p:nvSpPr>
+          <p:spPr>
+            <a:xfrm>
+              <a:off x="611560" y="1745092"/>
+              <a:ext cx="3360920" cy="369332"/>
+            </a:xfrm>
+            <a:prstGeom prst="rect">
+              <a:avLst/>
+            </a:prstGeom>
+            <a:solidFill>
+              <a:schemeClr val="bg1"/>
+            </a:solidFill>
+          </p:spPr>
+          <p:txBody>
+            <a:bodyPr wrap="none" rtlCol="0">
+              <a:spAutoFit/>
+            </a:bodyPr>
+            <a:lstStyle/>
+            <a:p>
+              <a:r>
+                <a:rPr lang="hr-HR" dirty="0" smtClean="0"/>
+                <a:t>GRANICA TERITORIJALNOG MORA</a:t>
+              </a:r>
+              <a:endParaRPr lang="hr-HR" dirty="0"/>
+            </a:p>
+          </p:txBody>
+        </p:sp>
+        <p:sp>
+          <p:nvSpPr>
+            <p:cNvPr id="11" name="TextBox 10"/>
+            <p:cNvSpPr txBox="1"/>
+            <p:nvPr/>
+          </p:nvSpPr>
+          <p:spPr>
+            <a:xfrm>
+              <a:off x="611560" y="2154998"/>
+              <a:ext cx="2274084" cy="369332"/>
+            </a:xfrm>
+            <a:prstGeom prst="rect">
+              <a:avLst/>
+            </a:prstGeom>
+            <a:noFill/>
+          </p:spPr>
+          <p:txBody>
+            <a:bodyPr wrap="none" rtlCol="0">
+              <a:spAutoFit/>
+            </a:bodyPr>
+            <a:lstStyle/>
+            <a:p>
+              <a:r>
+                <a:rPr lang="hr-HR" dirty="0" smtClean="0"/>
+                <a:t>TERITORIJALNO MORE</a:t>
+              </a:r>
+              <a:endParaRPr lang="hr-HR" dirty="0"/>
+            </a:p>
+          </p:txBody>
+        </p:sp>
+        <p:sp>
+          <p:nvSpPr>
+            <p:cNvPr id="12" name="TextBox 11"/>
+            <p:cNvSpPr txBox="1"/>
+            <p:nvPr/>
+          </p:nvSpPr>
+          <p:spPr>
+            <a:xfrm>
+              <a:off x="611560" y="2564904"/>
+              <a:ext cx="2625334" cy="369332"/>
+            </a:xfrm>
+            <a:prstGeom prst="rect">
+              <a:avLst/>
+            </a:prstGeom>
+            <a:noFill/>
+          </p:spPr>
+          <p:txBody>
+            <a:bodyPr wrap="none" rtlCol="0">
+              <a:spAutoFit/>
+            </a:bodyPr>
+            <a:lstStyle/>
+            <a:p>
+              <a:r>
+                <a:rPr lang="hr-HR" dirty="0" smtClean="0"/>
+                <a:t>EPIKONTINENTALNI POJAS</a:t>
+              </a:r>
+              <a:endParaRPr lang="hr-HR" dirty="0"/>
+            </a:p>
+          </p:txBody>
+        </p:sp>
+        <p:sp>
+          <p:nvSpPr>
+            <p:cNvPr id="13" name="Rectangle 12"/>
+            <p:cNvSpPr/>
+            <p:nvPr/>
+          </p:nvSpPr>
+          <p:spPr>
+            <a:xfrm>
+              <a:off x="69837" y="2180412"/>
+              <a:ext cx="543537" cy="335756"/>
+            </a:xfrm>
+            <a:prstGeom prst="rect">
+              <a:avLst/>
+            </a:prstGeom>
+            <a:ln w="38100">
+              <a:solidFill>
+                <a:schemeClr val="bg1">
+                  <a:lumMod val="50000"/>
+                </a:schemeClr>
+              </a:solidFill>
+            </a:ln>
+          </p:spPr>
+          <p:style>
+            <a:lnRef idx="1">
+              <a:schemeClr val="accent1"/>
+            </a:lnRef>
+            <a:fillRef idx="0">
+              <a:schemeClr val="accent1"/>
+            </a:fillRef>
+            <a:effectRef idx="0">
+              <a:schemeClr val="accent1"/>
+            </a:effectRef>
+            <a:fontRef idx="minor">
+              <a:schemeClr val="tx1"/>
+            </a:fontRef>
+          </p:style>
+          <p:txBody>
+            <a:bodyPr rtlCol="0" anchor="ctr"/>
+            <a:lstStyle/>
+            <a:p>
+              <a:pPr algn="ctr"/>
+              <a:endParaRPr lang="hr-HR"/>
+            </a:p>
+          </p:txBody>
+        </p:sp>
+        <p:sp>
+          <p:nvSpPr>
+            <p:cNvPr id="14" name="Rectangle 13"/>
+            <p:cNvSpPr/>
+            <p:nvPr/>
+          </p:nvSpPr>
+          <p:spPr>
+            <a:xfrm>
+              <a:off x="69837" y="2594673"/>
+              <a:ext cx="543537" cy="305233"/>
+            </a:xfrm>
+            <a:prstGeom prst="rect">
+              <a:avLst/>
+            </a:prstGeom>
+            <a:ln w="38100">
+              <a:solidFill>
+                <a:schemeClr val="bg1">
+                  <a:lumMod val="50000"/>
+                </a:schemeClr>
+              </a:solidFill>
+            </a:ln>
+          </p:spPr>
+          <p:style>
+            <a:lnRef idx="1">
+              <a:schemeClr val="accent1"/>
+            </a:lnRef>
+            <a:fillRef idx="0">
+              <a:schemeClr val="accent1"/>
+            </a:fillRef>
+            <a:effectRef idx="0">
+              <a:schemeClr val="accent1"/>
+            </a:effectRef>
+            <a:fontRef idx="minor">
+              <a:schemeClr val="tx1"/>
+            </a:fontRef>
+          </p:style>
+          <p:txBody>
+            <a:bodyPr rtlCol="0" anchor="ctr"/>
+            <a:lstStyle/>
+            <a:p>
+              <a:pPr algn="ctr"/>
+              <a:endParaRPr lang="hr-HR"/>
+            </a:p>
+          </p:txBody>
+        </p:sp>
+        <p:sp>
+          <p:nvSpPr>
+            <p:cNvPr id="15" name="Rectangle 14"/>
+            <p:cNvSpPr/>
+            <p:nvPr/>
+          </p:nvSpPr>
+          <p:spPr>
+            <a:xfrm>
+              <a:off x="77830" y="1366691"/>
+              <a:ext cx="527551" cy="335756"/>
+            </a:xfrm>
+            <a:prstGeom prst="rect">
+              <a:avLst/>
+            </a:prstGeom>
+            <a:ln w="38100">
+              <a:solidFill>
+                <a:schemeClr val="bg1">
+                  <a:lumMod val="50000"/>
+                </a:schemeClr>
+              </a:solidFill>
+            </a:ln>
+          </p:spPr>
+          <p:style>
+            <a:lnRef idx="1">
+              <a:schemeClr val="accent1"/>
+            </a:lnRef>
+            <a:fillRef idx="0">
+              <a:schemeClr val="accent1"/>
+            </a:fillRef>
+            <a:effectRef idx="0">
+              <a:schemeClr val="accent1"/>
+            </a:effectRef>
+            <a:fontRef idx="minor">
+              <a:schemeClr val="tx1"/>
+            </a:fontRef>
+          </p:style>
+          <p:txBody>
+            <a:bodyPr rtlCol="0" anchor="ctr"/>
+            <a:lstStyle/>
+            <a:p>
+              <a:pPr algn="ctr"/>
+              <a:endParaRPr lang="hr-HR"/>
+            </a:p>
+          </p:txBody>
+        </p:sp>
+      </p:grpSp>
+      <p:sp>
+        <p:nvSpPr>
+          <p:cNvPr id="17" name="Rectangle 16"/>
+          <p:cNvSpPr/>
+          <p:nvPr/>
+        </p:nvSpPr>
+        <p:spPr>
+          <a:xfrm>
+            <a:off x="33394" y="4749179"/>
+            <a:ext cx="4775054" cy="308171"/>
+          </a:xfrm>
+          <a:prstGeom prst="rect">
+            <a:avLst/>
+          </a:prstGeom>
+          <a:ln w="38100">
+            <a:solidFill>
+              <a:srgbClr val="FF0000"/>
+            </a:solidFill>
+          </a:ln>
+        </p:spPr>
+        <p:style>
+          <a:lnRef idx="1">
+            <a:schemeClr val="accent1"/>
+          </a:lnRef>
+          <a:fillRef idx="0">
+            <a:schemeClr val="accent1"/>
+          </a:fillRef>
+          <a:effectRef idx="0">
+            <a:schemeClr val="accent1"/>
+          </a:effectRef>
+          <a:fontRef idx="minor">
+            <a:schemeClr val="tx1"/>
+          </a:fontRef>
+        </p:style>
+        <p:txBody>
+          <a:bodyPr rtlCol="0" anchor="ctr"/>
+          <a:lstStyle/>
+          <a:p>
+            <a:pPr algn="ctr"/>
+            <a:endParaRPr lang="hr-HR"/>
+          </a:p>
+        </p:txBody>
+      </p:sp>
+      <p:sp>
+        <p:nvSpPr>
+          <p:cNvPr id="18" name="Rectangle 17"/>
+          <p:cNvSpPr/>
+          <p:nvPr/>
+        </p:nvSpPr>
+        <p:spPr>
+          <a:xfrm>
+            <a:off x="33394" y="3296729"/>
+            <a:ext cx="4775054" cy="299108"/>
+          </a:xfrm>
+          <a:prstGeom prst="rect">
+            <a:avLst/>
+          </a:prstGeom>
+          <a:ln w="38100">
+            <a:solidFill>
+              <a:srgbClr val="FF0000"/>
+            </a:solidFill>
+          </a:ln>
+        </p:spPr>
+        <p:style>
+          <a:lnRef idx="1">
+            <a:schemeClr val="accent1"/>
+          </a:lnRef>
+          <a:fillRef idx="0">
+            <a:schemeClr val="accent1"/>
+          </a:fillRef>
+          <a:effectRef idx="0">
+            <a:schemeClr val="accent1"/>
+          </a:effectRef>
+          <a:fontRef idx="minor">
+            <a:schemeClr val="tx1"/>
+          </a:fontRef>
+        </p:style>
+        <p:txBody>
+          <a:bodyPr rtlCol="0" anchor="ctr"/>
+          <a:lstStyle/>
+          <a:p>
+            <a:pPr algn="ctr"/>
+            <a:endParaRPr lang="hr-HR"/>
+          </a:p>
+        </p:txBody>
+      </p:sp>
+      <p:sp>
+        <p:nvSpPr>
+          <p:cNvPr id="19" name="Rectangle 18"/>
+          <p:cNvSpPr/>
+          <p:nvPr/>
+        </p:nvSpPr>
+        <p:spPr>
+          <a:xfrm>
+            <a:off x="33394" y="5333415"/>
+            <a:ext cx="4775054" cy="299108"/>
+          </a:xfrm>
+          <a:prstGeom prst="rect">
+            <a:avLst/>
+          </a:prstGeom>
+          <a:ln w="38100">
+            <a:solidFill>
+              <a:srgbClr val="FF0000"/>
+            </a:solidFill>
+          </a:ln>
+        </p:spPr>
+        <p:style>
+          <a:lnRef idx="1">
+            <a:schemeClr val="accent1"/>
+          </a:lnRef>
+          <a:fillRef idx="0">
+            <a:schemeClr val="accent1"/>
+          </a:fillRef>
+          <a:effectRef idx="0">
+            <a:schemeClr val="accent1"/>
+          </a:effectRef>
+          <a:fontRef idx="minor">
+            <a:schemeClr val="tx1"/>
+          </a:fontRef>
+        </p:style>
+        <p:txBody>
+          <a:bodyPr rtlCol="0" anchor="ctr"/>
+          <a:lstStyle/>
+          <a:p>
+            <a:pPr algn="ctr"/>
+            <a:endParaRPr lang="hr-HR"/>
+          </a:p>
+        </p:txBody>
+      </p:sp>
+      <p:sp>
+        <p:nvSpPr>
+          <p:cNvPr id="20" name="Rectangle 19"/>
+          <p:cNvSpPr/>
+          <p:nvPr/>
+        </p:nvSpPr>
+        <p:spPr>
+          <a:xfrm>
+            <a:off x="33394" y="6521587"/>
+            <a:ext cx="4775054" cy="271916"/>
+          </a:xfrm>
+          <a:prstGeom prst="rect">
+            <a:avLst/>
+          </a:prstGeom>
+          <a:ln w="38100">
+            <a:solidFill>
+              <a:srgbClr val="FF0000"/>
+            </a:solidFill>
+          </a:ln>
+        </p:spPr>
+        <p:style>
+          <a:lnRef idx="1">
+            <a:schemeClr val="accent1"/>
+          </a:lnRef>
+          <a:fillRef idx="0">
+            <a:schemeClr val="accent1"/>
+          </a:fillRef>
+          <a:effectRef idx="0">
+            <a:schemeClr val="accent1"/>
+          </a:effectRef>
+          <a:fontRef idx="minor">
+            <a:schemeClr val="tx1"/>
+          </a:fontRef>
+        </p:style>
+        <p:txBody>
+          <a:bodyPr rtlCol="0" anchor="ctr"/>
+          <a:lstStyle/>
+          <a:p>
+            <a:pPr algn="ctr"/>
+            <a:endParaRPr lang="hr-HR"/>
+          </a:p>
+        </p:txBody>
+      </p:sp>
+      <p:sp>
+        <p:nvSpPr>
+          <p:cNvPr id="21" name="Rectangle 20"/>
+          <p:cNvSpPr/>
+          <p:nvPr/>
+        </p:nvSpPr>
+        <p:spPr>
+          <a:xfrm>
+            <a:off x="33394" y="3595837"/>
+            <a:ext cx="4775054" cy="299108"/>
+          </a:xfrm>
+          <a:prstGeom prst="rect">
+            <a:avLst/>
+          </a:prstGeom>
+          <a:ln w="38100">
+            <a:solidFill>
+              <a:srgbClr val="FF0000"/>
+            </a:solidFill>
+          </a:ln>
+        </p:spPr>
+        <p:style>
+          <a:lnRef idx="1">
+            <a:schemeClr val="accent1"/>
+          </a:lnRef>
+          <a:fillRef idx="0">
+            <a:schemeClr val="accent1"/>
+          </a:fillRef>
+          <a:effectRef idx="0">
+            <a:schemeClr val="accent1"/>
+          </a:effectRef>
+          <a:fontRef idx="minor">
+            <a:schemeClr val="tx1"/>
+          </a:fontRef>
+        </p:style>
+        <p:txBody>
+          <a:bodyPr rtlCol="0" anchor="ctr"/>
+          <a:lstStyle/>
+          <a:p>
+            <a:pPr algn="ctr"/>
+            <a:endParaRPr lang="hr-HR"/>
+          </a:p>
+        </p:txBody>
+      </p:sp>
+    </p:spTree>
+    <p:extLst>
+      <p:ext uri="{BB962C8B-B14F-4D97-AF65-F5344CB8AC3E}">
+        <p14:creationId xmlns:p14="http://schemas.microsoft.com/office/powerpoint/2010/main" val="3787024635"/>
+      </p:ext>
+    </p:extLst>
+  </p:cSld>
+  <p:clrMapOvr>
+    <a:masterClrMapping/>
+  </p:clrMapOvr>
+  <mc:AlternateContent xmlns:mc="http://schemas.openxmlformats.org/markup-compatibility/2006" xmlns:p14="http://schemas.microsoft.com/office/powerpoint/2010/main">
+    <mc:Choice Requires="p14">
+      <p:transition>
+        <p14:reveal/>
+      </p:transition>
+    </mc:Choice>
+    <mc:Fallback xmlns="">
+      <p:transition>
+        <p:fade/>
+      </p:transition>
+    </mc:Fallback>
+  </mc:AlternateContent>
+  <p:timing>
+    <p:tnLst>
+      <p:par>
+        <p:cTn id="1" dur="indefinite" restart="never" nodeType="tmRoot">
+          <p:childTnLst>
+            <p:seq concurrent="1" nextAc="seek">
+              <p:cTn id="2" dur="indefinite" nodeType="mainSeq">
+                <p:childTnLst>
+                  <p:par>
+                    <p:cTn id="3" fill="hold">
+                      <p:stCondLst>
+                        <p:cond delay="indefinite"/>
+                        <p:cond evt="onBegin" delay="0">
+                          <p:tn val="2"/>
+                        </p:cond>
+                      </p:stCondLst>
+                      <p:childTnLst>
+                        <p:par>
+                          <p:cTn id="4" fill="hold">
+                            <p:stCondLst>
+                              <p:cond delay="0"/>
+                            </p:stCondLst>
+                            <p:childTnLst>
+                              <p:par>
+                                <p:cTn id="5" presetID="10" presetClass="entr" presetSubtype="0" fill="hold" nodeType="afterEffect">
+                                  <p:stCondLst>
+                                    <p:cond delay="0"/>
+                                  </p:stCondLst>
+                                  <p:childTnLst>
+                                    <p:set>
+                                      <p:cBhvr>
+                                        <p:cTn id="6" dur="1" fill="hold">
+                                          <p:stCondLst>
+                                            <p:cond delay="0"/>
+                                          </p:stCondLst>
+                                        </p:cTn>
+                                        <p:tgtEl>
+                                          <p:spTgt spid="6"/>
+                                        </p:tgtEl>
+                                        <p:attrNameLst>
+                                          <p:attrName>style.visibility</p:attrName>
+                                        </p:attrNameLst>
+                                      </p:cBhvr>
+                                      <p:to>
+                                        <p:strVal val="visible"/>
+                                      </p:to>
+                                    </p:set>
+                                    <p:animEffect transition="in" filter="fade">
+                                      <p:cBhvr>
+                                        <p:cTn id="7" dur="250"/>
+                                        <p:tgtEl>
+                                          <p:spTgt spid="6"/>
+                                        </p:tgtEl>
+                                      </p:cBhvr>
+                                    </p:animEffect>
+                                  </p:childTnLst>
+                                </p:cTn>
+                              </p:par>
+                            </p:childTnLst>
+                          </p:cTn>
+                        </p:par>
+                      </p:childTnLst>
+                    </p:cTn>
+                  </p:par>
+                  <p:par>
+                    <p:cTn id="8" fill="hold">
+                      <p:stCondLst>
+                        <p:cond delay="indefinite"/>
+                      </p:stCondLst>
+                      <p:childTnLst>
+                        <p:par>
+                          <p:cTn id="9" fill="hold">
+                            <p:stCondLst>
+                              <p:cond delay="0"/>
+                            </p:stCondLst>
+                            <p:childTnLst>
+                              <p:par>
+                                <p:cTn id="10" presetID="22" presetClass="entr" presetSubtype="8" fill="hold" grpId="0" nodeType="clickEffect">
+                                  <p:stCondLst>
+                                    <p:cond delay="0"/>
+                                  </p:stCondLst>
+                                  <p:childTnLst>
+                                    <p:set>
+                                      <p:cBhvr>
+                                        <p:cTn id="11" dur="1" fill="hold">
+                                          <p:stCondLst>
+                                            <p:cond delay="0"/>
+                                          </p:stCondLst>
+                                        </p:cTn>
+                                        <p:tgtEl>
+                                          <p:spTgt spid="18"/>
+                                        </p:tgtEl>
+                                        <p:attrNameLst>
+                                          <p:attrName>style.visibility</p:attrName>
+                                        </p:attrNameLst>
+                                      </p:cBhvr>
+                                      <p:to>
+                                        <p:strVal val="visible"/>
+                                      </p:to>
+                                    </p:set>
+                                    <p:animEffect transition="in" filter="wipe(left)">
+                                      <p:cBhvr>
+                                        <p:cTn id="12" dur="250"/>
+                                        <p:tgtEl>
+                                          <p:spTgt spid="18"/>
+                                        </p:tgtEl>
+                                      </p:cBhvr>
+                                    </p:animEffect>
+                                  </p:childTnLst>
+                                </p:cTn>
+                              </p:par>
+                            </p:childTnLst>
+                          </p:cTn>
+                        </p:par>
+                        <p:par>
+                          <p:cTn id="13" fill="hold">
+                            <p:stCondLst>
+                              <p:cond delay="250"/>
+                            </p:stCondLst>
+                            <p:childTnLst>
+                              <p:par>
+                                <p:cTn id="14" presetID="22" presetClass="entr" presetSubtype="8" fill="hold" grpId="0" nodeType="afterEffect">
+                                  <p:stCondLst>
+                                    <p:cond delay="0"/>
+                                  </p:stCondLst>
+                                  <p:childTnLst>
+                                    <p:set>
+                                      <p:cBhvr>
+                                        <p:cTn id="15" dur="1" fill="hold">
+                                          <p:stCondLst>
+                                            <p:cond delay="0"/>
+                                          </p:stCondLst>
+                                        </p:cTn>
+                                        <p:tgtEl>
+                                          <p:spTgt spid="21"/>
+                                        </p:tgtEl>
+                                        <p:attrNameLst>
+                                          <p:attrName>style.visibility</p:attrName>
+                                        </p:attrNameLst>
+                                      </p:cBhvr>
+                                      <p:to>
+                                        <p:strVal val="visible"/>
+                                      </p:to>
+                                    </p:set>
+                                    <p:animEffect transition="in" filter="wipe(left)">
+                                      <p:cBhvr>
+                                        <p:cTn id="16" dur="250"/>
+                                        <p:tgtEl>
+                                          <p:spTgt spid="21"/>
+                                        </p:tgtEl>
+                                      </p:cBhvr>
+                                    </p:animEffect>
+                                  </p:childTnLst>
+                                </p:cTn>
+                              </p:par>
+                            </p:childTnLst>
+                          </p:cTn>
+                        </p:par>
+                        <p:par>
+                          <p:cTn id="17" fill="hold">
+                            <p:stCondLst>
+                              <p:cond delay="500"/>
+                            </p:stCondLst>
+                            <p:childTnLst>
+                              <p:par>
+                                <p:cTn id="18" presetID="22" presetClass="entr" presetSubtype="8" fill="hold" grpId="0" nodeType="afterEffect">
+                                  <p:stCondLst>
+                                    <p:cond delay="0"/>
+                                  </p:stCondLst>
+                                  <p:childTnLst>
+                                    <p:set>
+                                      <p:cBhvr>
+                                        <p:cTn id="19" dur="1" fill="hold">
+                                          <p:stCondLst>
+                                            <p:cond delay="0"/>
+                                          </p:stCondLst>
+                                        </p:cTn>
+                                        <p:tgtEl>
+                                          <p:spTgt spid="17"/>
+                                        </p:tgtEl>
+                                        <p:attrNameLst>
+                                          <p:attrName>style.visibility</p:attrName>
+                                        </p:attrNameLst>
+                                      </p:cBhvr>
+                                      <p:to>
+                                        <p:strVal val="visible"/>
+                                      </p:to>
+                                    </p:set>
+                                    <p:animEffect transition="in" filter="wipe(left)">
+                                      <p:cBhvr>
+                                        <p:cTn id="20" dur="250"/>
+                                        <p:tgtEl>
+                                          <p:spTgt spid="17"/>
+                                        </p:tgtEl>
+                                      </p:cBhvr>
+                                    </p:animEffect>
+                                  </p:childTnLst>
+                                </p:cTn>
+                              </p:par>
+                            </p:childTnLst>
+                          </p:cTn>
+                        </p:par>
+                        <p:par>
+                          <p:cTn id="21" fill="hold">
+                            <p:stCondLst>
+                              <p:cond delay="750"/>
+                            </p:stCondLst>
+                            <p:childTnLst>
+                              <p:par>
+                                <p:cTn id="22" presetID="22" presetClass="entr" presetSubtype="8" fill="hold" grpId="0" nodeType="afterEffect">
+                                  <p:stCondLst>
+                                    <p:cond delay="0"/>
+                                  </p:stCondLst>
+                                  <p:childTnLst>
+                                    <p:set>
+                                      <p:cBhvr>
+                                        <p:cTn id="23" dur="1" fill="hold">
+                                          <p:stCondLst>
+                                            <p:cond delay="0"/>
+                                          </p:stCondLst>
+                                        </p:cTn>
+                                        <p:tgtEl>
+                                          <p:spTgt spid="19"/>
+                                        </p:tgtEl>
+                                        <p:attrNameLst>
+                                          <p:attrName>style.visibility</p:attrName>
+                                        </p:attrNameLst>
+                                      </p:cBhvr>
+                                      <p:to>
+                                        <p:strVal val="visible"/>
+                                      </p:to>
+                                    </p:set>
+                                    <p:animEffect transition="in" filter="wipe(left)">
+                                      <p:cBhvr>
+                                        <p:cTn id="24" dur="250"/>
+                                        <p:tgtEl>
+                                          <p:spTgt spid="19"/>
+                                        </p:tgtEl>
+                                      </p:cBhvr>
+                                    </p:animEffect>
+                                  </p:childTnLst>
+                                </p:cTn>
+                              </p:par>
+                            </p:childTnLst>
+                          </p:cTn>
+                        </p:par>
+                        <p:par>
+                          <p:cTn id="25" fill="hold">
+                            <p:stCondLst>
+                              <p:cond delay="1000"/>
+                            </p:stCondLst>
+                            <p:childTnLst>
+                              <p:par>
+                                <p:cTn id="26" presetID="22" presetClass="entr" presetSubtype="8" fill="hold" grpId="0" nodeType="afterEffect">
+                                  <p:stCondLst>
+                                    <p:cond delay="0"/>
+                                  </p:stCondLst>
+                                  <p:childTnLst>
+                                    <p:set>
+                                      <p:cBhvr>
+                                        <p:cTn id="27" dur="1" fill="hold">
+                                          <p:stCondLst>
+                                            <p:cond delay="0"/>
+                                          </p:stCondLst>
+                                        </p:cTn>
+                                        <p:tgtEl>
+                                          <p:spTgt spid="20"/>
+                                        </p:tgtEl>
+                                        <p:attrNameLst>
+                                          <p:attrName>style.visibility</p:attrName>
+                                        </p:attrNameLst>
+                                      </p:cBhvr>
+                                      <p:to>
+                                        <p:strVal val="visible"/>
+                                      </p:to>
+                                    </p:set>
+                                    <p:animEffect transition="in" filter="wipe(left)">
+                                      <p:cBhvr>
+                                        <p:cTn id="28" dur="250"/>
+                                        <p:tgtEl>
+                                          <p:spTgt spid="20"/>
+                                        </p:tgtEl>
+                                      </p:cBhvr>
+                                    </p:animEffect>
+                                  </p:childTnLst>
+                                </p:cTn>
+                              </p:par>
+                            </p:childTnLst>
+                          </p:cTn>
+                        </p:par>
+                      </p:childTnLst>
+                    </p:cTn>
+                  </p:par>
+                </p:childTnLst>
+              </p:cTn>
+              <p:prevCondLst>
+                <p:cond evt="onPrev" delay="0">
+                  <p:tgtEl>
+                    <p:sldTgt/>
+                  </p:tgtEl>
+                </p:cond>
+              </p:prevCondLst>
+              <p:nextCondLst>
+                <p:cond evt="onNext" delay="0">
+                  <p:tgtEl>
+                    <p:sldTgt/>
+                  </p:tgtEl>
+                </p:cond>
+              </p:nextCondLst>
+            </p:seq>
+          </p:childTnLst>
+        </p:cTn>
+      </p:par>
+    </p:tnLst>
+    <p:bldLst>
+      <p:bldP spid="17" grpId="0" animBg="1"/>
+      <p:bldP spid="18" grpId="0" animBg="1"/>
+      <p:bldP spid="19" grpId="0" animBg="1"/>
+      <p:bldP spid="20" grpId="0" animBg="1"/>
+      <p:bldP spid="21" grpId="0" animBg="1"/>
+    </p:bldLst>
+  </p:timing>
+</p:sld>
+</file>
+
+<file path=ppt/slides/slide9.xml><?xml version="1.0" encoding="utf-8"?>
+<p:sld xmlns:a="http://schemas.openxmlformats.org/drawingml/2006/main" xmlns:r="http://schemas.openxmlformats.org/officeDocument/2006/relationships" xmlns:p="http://schemas.openxmlformats.org/presentationml/2006/main">
+  <p:cSld>
+    <p:spTree>
+      <p:nvGrpSpPr>
+        <p:cNvPr id="1" name=""/>
+        <p:cNvGrpSpPr/>
+        <p:nvPr/>
+      </p:nvGrpSpPr>
+      <p:grpSpPr>
+        <a:xfrm>
+          <a:off x="0" y="0"/>
+          <a:ext cx="0" cy="0"/>
+          <a:chOff x="0" y="0"/>
+          <a:chExt cx="0" cy="0"/>
+        </a:xfrm>
+      </p:grpSpPr>
+      <p:pic>
+        <p:nvPicPr>
+          <p:cNvPr id="2051" name="Picture 3"/>
+          <p:cNvPicPr>
+            <a:picLocks noChangeAspect="1" noChangeArrowheads="1"/>
+          </p:cNvPicPr>
+          <p:nvPr/>
+        </p:nvPicPr>
+        <p:blipFill rotWithShape="1">
+          <a:blip r:embed="rId2">
+            <a:extLst>
+              <a:ext uri="{28A0092B-C50C-407E-A947-70E740481C1C}">
+                <a14:useLocalDpi xmlns:a14="http://schemas.microsoft.com/office/drawing/2010/main" val="0"/>
+              </a:ext>
+            </a:extLst>
+          </a:blip>
+          <a:srcRect/>
+          <a:stretch/>
+        </p:blipFill>
+        <p:spPr bwMode="auto">
+          <a:xfrm>
+            <a:off x="755576" y="164014"/>
+            <a:ext cx="7776864" cy="6694010"/>
+          </a:xfrm>
+          <a:prstGeom prst="rect">
+            <a:avLst/>
+          </a:prstGeom>
+          <a:noFill/>
+          <a:ln>
+            <a:noFill/>
+          </a:ln>
+          <a:extLst>
+            <a:ext uri="{909E8E84-426E-40DD-AFC4-6F175D3DCCD1}">
+              <a14:hiddenFill xmlns:a14="http://schemas.microsoft.com/office/drawing/2010/main">
+                <a:solidFill>
+                  <a:schemeClr val="accent1"/>
+                </a:solidFill>
+              </a14:hiddenFill>
+            </a:ext>
+            <a:ext uri="{91240B29-F687-4F45-9708-019B960494DF}">
+              <a14:hiddenLine xmlns:a14="http://schemas.microsoft.com/office/drawing/2010/main" w="9525">
+                <a:solidFill>
+                  <a:schemeClr val="tx1"/>
+                </a:solidFill>
+                <a:miter lim="800000"/>
+                <a:headEnd/>
+                <a:tailEnd/>
+              </a14:hiddenLine>
+            </a:ext>
+          </a:extLst>
+        </p:spPr>
+      </p:pic>
+      <p:sp>
+        <p:nvSpPr>
+          <p:cNvPr id="3" name="Naslov 3"/>
+          <p:cNvSpPr txBox="1">
+            <a:spLocks/>
+          </p:cNvSpPr>
+          <p:nvPr/>
+        </p:nvSpPr>
+        <p:spPr>
+          <a:xfrm>
+            <a:off x="0" y="-24"/>
+            <a:ext cx="9001156" cy="642918"/>
+          </a:xfrm>
+          <a:prstGeom prst="rect">
+            <a:avLst/>
+          </a:prstGeom>
+          <a:solidFill>
+            <a:schemeClr val="bg1"/>
+          </a:solidFill>
+        </p:spPr>
+        <p:txBody>
+          <a:bodyPr>
+            <a:noAutofit/>
+          </a:bodyPr>
+          <a:lstStyle/>
+          <a:p>
+            <a:pPr algn="ctr">
+              <a:spcBef>
+                <a:spcPct val="0"/>
+              </a:spcBef>
+              <a:defRPr/>
+            </a:pPr>
+            <a:r>
+              <a:rPr lang="hr-HR" sz="3600" b="1" dirty="0" smtClean="0">
+                <a:solidFill>
+                  <a:prstClr val="black"/>
+                </a:solidFill>
+                <a:ea typeface="+mj-ea"/>
+                <a:cs typeface="+mj-cs"/>
+              </a:rPr>
+              <a:t>Kulturno-civilizacijski krugovi</a:t>
+            </a:r>
+            <a:endParaRPr lang="hr-HR" sz="3600" dirty="0">
+              <a:solidFill>
+                <a:prstClr val="black"/>
+              </a:solidFill>
+              <a:ea typeface="+mj-ea"/>
+              <a:cs typeface="+mj-cs"/>
+            </a:endParaRPr>
+          </a:p>
+        </p:txBody>
+      </p:sp>
+      <p:sp>
+        <p:nvSpPr>
+          <p:cNvPr id="4" name="Naslov 3"/>
+          <p:cNvSpPr txBox="1">
+            <a:spLocks/>
+          </p:cNvSpPr>
+          <p:nvPr/>
+        </p:nvSpPr>
+        <p:spPr>
+          <a:xfrm>
+            <a:off x="4071934" y="4643446"/>
+            <a:ext cx="4000528" cy="857256"/>
+          </a:xfrm>
+          <a:prstGeom prst="rect">
+            <a:avLst/>
+          </a:prstGeom>
+          <a:noFill/>
+        </p:spPr>
+        <p:txBody>
+          <a:bodyPr>
+            <a:noAutofit/>
+          </a:bodyPr>
+          <a:lstStyle/>
+          <a:p>
+            <a:pPr algn="ctr">
+              <a:spcBef>
+                <a:spcPct val="0"/>
+              </a:spcBef>
+              <a:defRPr/>
+            </a:pPr>
+            <a:r>
+              <a:rPr lang="hr-HR" sz="3200" b="1" smtClean="0">
+                <a:solidFill>
+                  <a:srgbClr val="FF0000"/>
+                </a:solidFill>
+                <a:ea typeface="+mj-ea"/>
+                <a:cs typeface="+mj-cs"/>
+              </a:rPr>
+              <a:t>Jugoistočnoeuropski </a:t>
+            </a:r>
+          </a:p>
+          <a:p>
+            <a:pPr algn="ctr">
+              <a:spcBef>
+                <a:spcPct val="0"/>
+              </a:spcBef>
+              <a:defRPr/>
+            </a:pPr>
+            <a:r>
+              <a:rPr lang="hr-HR" sz="3200" b="1" smtClean="0">
+                <a:solidFill>
+                  <a:srgbClr val="FF0000"/>
+                </a:solidFill>
+                <a:ea typeface="+mj-ea"/>
+                <a:cs typeface="+mj-cs"/>
+              </a:rPr>
+              <a:t>ili balkanski</a:t>
+            </a:r>
+            <a:endParaRPr lang="hr-HR" sz="3200" b="1" dirty="0">
+              <a:solidFill>
+                <a:srgbClr val="FF0000"/>
+              </a:solidFill>
+              <a:ea typeface="+mj-ea"/>
+              <a:cs typeface="+mj-cs"/>
+            </a:endParaRPr>
+          </a:p>
+        </p:txBody>
+      </p:sp>
+      <p:sp>
+        <p:nvSpPr>
+          <p:cNvPr id="5" name="Naslov 3"/>
+          <p:cNvSpPr txBox="1">
+            <a:spLocks/>
+          </p:cNvSpPr>
+          <p:nvPr/>
+        </p:nvSpPr>
+        <p:spPr>
+          <a:xfrm>
+            <a:off x="571472" y="3286124"/>
+            <a:ext cx="4000528" cy="857256"/>
+          </a:xfrm>
+          <a:prstGeom prst="rect">
+            <a:avLst/>
+          </a:prstGeom>
+          <a:noFill/>
+        </p:spPr>
+        <p:txBody>
+          <a:bodyPr>
+            <a:noAutofit/>
+          </a:bodyPr>
+          <a:lstStyle/>
+          <a:p>
+            <a:pPr algn="ctr">
+              <a:spcBef>
+                <a:spcPct val="0"/>
+              </a:spcBef>
+              <a:defRPr/>
+            </a:pPr>
+            <a:r>
+              <a:rPr lang="hr-HR" sz="3600" b="1" smtClean="0">
+                <a:solidFill>
+                  <a:srgbClr val="FF0000"/>
+                </a:solidFill>
+                <a:ea typeface="+mj-ea"/>
+                <a:cs typeface="+mj-cs"/>
+              </a:rPr>
+              <a:t>Sredozemni</a:t>
+            </a:r>
+            <a:endParaRPr lang="hr-HR" sz="3600" b="1" dirty="0">
+              <a:solidFill>
+                <a:srgbClr val="FF0000"/>
+              </a:solidFill>
+              <a:ea typeface="+mj-ea"/>
+              <a:cs typeface="+mj-cs"/>
+            </a:endParaRPr>
+          </a:p>
+        </p:txBody>
+      </p:sp>
+      <p:sp>
+        <p:nvSpPr>
+          <p:cNvPr id="6" name="Naslov 3"/>
+          <p:cNvSpPr txBox="1">
+            <a:spLocks/>
+          </p:cNvSpPr>
+          <p:nvPr/>
+        </p:nvSpPr>
+        <p:spPr>
+          <a:xfrm>
+            <a:off x="2071670" y="1071546"/>
+            <a:ext cx="4000528" cy="857256"/>
+          </a:xfrm>
+          <a:prstGeom prst="rect">
+            <a:avLst/>
+          </a:prstGeom>
+          <a:noFill/>
+        </p:spPr>
+        <p:txBody>
+          <a:bodyPr>
+            <a:noAutofit/>
+          </a:bodyPr>
+          <a:lstStyle/>
+          <a:p>
+            <a:pPr algn="ctr">
+              <a:spcBef>
+                <a:spcPct val="0"/>
+              </a:spcBef>
+              <a:defRPr/>
+            </a:pPr>
+            <a:r>
+              <a:rPr lang="hr-HR" sz="3600" b="1" smtClean="0">
+                <a:solidFill>
+                  <a:srgbClr val="FF0000"/>
+                </a:solidFill>
+                <a:ea typeface="+mj-ea"/>
+                <a:cs typeface="+mj-cs"/>
+              </a:rPr>
+              <a:t>Srednjoeuropski</a:t>
+            </a:r>
+            <a:endParaRPr lang="hr-HR" sz="3600" b="1" dirty="0">
+              <a:solidFill>
+                <a:srgbClr val="FF0000"/>
+              </a:solidFill>
+              <a:ea typeface="+mj-ea"/>
+              <a:cs typeface="+mj-cs"/>
+            </a:endParaRPr>
+          </a:p>
+        </p:txBody>
+      </p:sp>
+    </p:spTree>
+    <p:extLst>
+      <p:ext uri="{BB962C8B-B14F-4D97-AF65-F5344CB8AC3E}">
+        <p14:creationId xmlns:p14="http://schemas.microsoft.com/office/powerpoint/2010/main" val="2836274921"/>
+      </p:ext>
+    </p:extLst>
+  </p:cSld>
+  <p:clrMapOvr>
+    <a:masterClrMapping/>
+  </p:clrMapOvr>
+  <mc:AlternateContent xmlns:mc="http://schemas.openxmlformats.org/markup-compatibility/2006" xmlns:p14="http://schemas.microsoft.com/office/powerpoint/2010/main">
+    <mc:Choice Requires="p14">
+      <p:transition p14:dur="250">
+        <p14:reveal/>
+      </p:transition>
+    </mc:Choice>
+    <mc:Fallback xmlns="">
+      <p:transition>
+        <p:fade/>
+      </p:transition>
+    </mc:Fallback>
+  </mc:AlternateContent>
+  <p:timing>
+    <p:tnLst>
+      <p:par>
+        <p:cTn id="1" dur="indefinite" restart="never" nodeType="tmRoot">
+          <p:childTnLst>
+            <p:seq concurrent="1" nextAc="seek">
+              <p:cTn id="2" dur="indefinite" nodeType="mainSeq">
+                <p:childTnLst>
+                  <p:par>
+                    <p:cTn id="3" fill="hold">
+                      <p:stCondLst>
+                        <p:cond delay="indefinite"/>
+                      </p:stCondLst>
+                      <p:childTnLst>
+                        <p:par>
+                          <p:cTn id="4" fill="hold">
+                            <p:stCondLst>
+                              <p:cond delay="0"/>
+                            </p:stCondLst>
+                            <p:childTnLst>
+                              <p:par>
+                                <p:cTn id="5" presetID="10" presetClass="entr" presetSubtype="0" fill="hold" grpId="0" nodeType="clickEffect">
+                                  <p:stCondLst>
+                                    <p:cond delay="0"/>
+                                  </p:stCondLst>
+                                  <p:childTnLst>
+                                    <p:set>
+                                      <p:cBhvr>
+                                        <p:cTn id="6" dur="1" fill="hold">
+                                          <p:stCondLst>
+                                            <p:cond delay="0"/>
+                                          </p:stCondLst>
+                                        </p:cTn>
+                                        <p:tgtEl>
+                                          <p:spTgt spid="6"/>
+                                        </p:tgtEl>
+                                        <p:attrNameLst>
+                                          <p:attrName>style.visibility</p:attrName>
+                                        </p:attrNameLst>
+                                      </p:cBhvr>
+                                      <p:to>
+                                        <p:strVal val="visible"/>
+                                      </p:to>
+                                    </p:set>
+                                    <p:animEffect transition="in" filter="fade">
+                                      <p:cBhvr>
+                                        <p:cTn id="7" dur="500"/>
+                                        <p:tgtEl>
+                                          <p:spTgt spid="6"/>
+                                        </p:tgtEl>
+                                      </p:cBhvr>
+                                    </p:animEffect>
+                                  </p:childTnLst>
+                                </p:cTn>
+                              </p:par>
+                            </p:childTnLst>
+                          </p:cTn>
+                        </p:par>
+                        <p:par>
+                          <p:cTn id="8" fill="hold">
+                            <p:stCondLst>
+                              <p:cond delay="500"/>
+                            </p:stCondLst>
+                            <p:childTnLst>
+                              <p:par>
+                                <p:cTn id="9" presetID="10" presetClass="entr" presetSubtype="0" fill="hold" grpId="0" nodeType="afterEffect">
+                                  <p:stCondLst>
+                                    <p:cond delay="0"/>
+                                  </p:stCondLst>
+                                  <p:childTnLst>
+                                    <p:set>
+                                      <p:cBhvr>
+                                        <p:cTn id="10" dur="1" fill="hold">
+                                          <p:stCondLst>
+                                            <p:cond delay="0"/>
+                                          </p:stCondLst>
+                                        </p:cTn>
+                                        <p:tgtEl>
+                                          <p:spTgt spid="5"/>
+                                        </p:tgtEl>
+                                        <p:attrNameLst>
+                                          <p:attrName>style.visibility</p:attrName>
+                                        </p:attrNameLst>
+                                      </p:cBhvr>
+                                      <p:to>
+                                        <p:strVal val="visible"/>
+                                      </p:to>
+                                    </p:set>
+                                    <p:animEffect transition="in" filter="fade">
+                                      <p:cBhvr>
+                                        <p:cTn id="11" dur="500"/>
+                                        <p:tgtEl>
+                                          <p:spTgt spid="5"/>
+                                        </p:tgtEl>
+                                      </p:cBhvr>
+                                    </p:animEffect>
+                                  </p:childTnLst>
+                                </p:cTn>
+                              </p:par>
+                            </p:childTnLst>
+                          </p:cTn>
+                        </p:par>
+                        <p:par>
+                          <p:cTn id="12" fill="hold">
+                            <p:stCondLst>
+                              <p:cond delay="1000"/>
+                            </p:stCondLst>
+                            <p:childTnLst>
+                              <p:par>
+                                <p:cTn id="13" presetID="10" presetClass="entr" presetSubtype="0" fill="hold" grpId="0" nodeType="afterEffect">
+                                  <p:stCondLst>
+                                    <p:cond delay="0"/>
+                                  </p:stCondLst>
+                                  <p:childTnLst>
+                                    <p:set>
+                                      <p:cBhvr>
+                                        <p:cTn id="14" dur="1" fill="hold">
+                                          <p:stCondLst>
+                                            <p:cond delay="0"/>
+                                          </p:stCondLst>
+                                        </p:cTn>
+                                        <p:tgtEl>
+                                          <p:spTgt spid="4"/>
+                                        </p:tgtEl>
+                                        <p:attrNameLst>
+                                          <p:attrName>style.visibility</p:attrName>
+                                        </p:attrNameLst>
+                                      </p:cBhvr>
+                                      <p:to>
+                                        <p:strVal val="visible"/>
+                                      </p:to>
+                                    </p:set>
+                                    <p:animEffect transition="in" filter="fade">
+                                      <p:cBhvr>
+                                        <p:cTn id="15" dur="500"/>
+                                        <p:tgtEl>
+                                          <p:spTgt spid="4"/>
+                                        </p:tgtEl>
+                                      </p:cBhvr>
+                                    </p:animEffect>
+                                  </p:childTnLst>
+                                </p:cTn>
+                              </p:par>
+                            </p:childTnLst>
+                          </p:cTn>
+                        </p:par>
+                      </p:childTnLst>
+                    </p:cTn>
+                  </p:par>
+                </p:childTnLst>
+              </p:cTn>
+              <p:prevCondLst>
+                <p:cond evt="onPrev" delay="0">
+                  <p:tgtEl>
+                    <p:sldTgt/>
+                  </p:tgtEl>
+                </p:cond>
+              </p:prevCondLst>
+              <p:nextCondLst>
+                <p:cond evt="onNext" delay="0">
+                  <p:tgtEl>
+                    <p:sldTgt/>
+                  </p:tgtEl>
+                </p:cond>
+              </p:nextCondLst>
+            </p:seq>
+          </p:childTnLst>
+        </p:cTn>
+      </p:par>
+    </p:tnLst>
+    <p:bldLst>
+      <p:bldP spid="4" grpId="0"/>
+      <p:bldP spid="5" grpId="0"/>
+      <p:bldP spid="6" grpId="0"/>
     </p:bldLst>
   </p:timing>
 </p:sld>

--- a/data/geografija/prezentacije/F2_G2_001_Geografski_polozaj_Hrvatske.pptx
+++ b/data/geografija/prezentacije/F2_G2_001_Geografski_polozaj_Hrvatske.pptx
@@ -203,7 +203,7 @@
           <a:p>
             <a:fld id="{89FA8683-D335-487D-B25C-582E7499E131}" type="datetimeFigureOut">
               <a:rPr lang="hr-HR" smtClean="0"/>
-              <a:t>13.10.2019.</a:t>
+              <a:t>14.10.2019.</a:t>
             </a:fld>
             <a:endParaRPr lang="hr-HR"/>
           </a:p>
@@ -653,7 +653,7 @@
             <a:fld id="{99A247F4-8497-4C19-A3B5-0A75475EBA66}" type="datetimeFigureOut">
               <a:rPr lang="hr-HR" smtClean="0"/>
               <a:pPr/>
-              <a:t>13.10.2019.</a:t>
+              <a:t>14.10.2019.</a:t>
             </a:fld>
             <a:endParaRPr lang="hr-HR"/>
           </a:p>
@@ -828,7 +828,7 @@
             <a:fld id="{99A247F4-8497-4C19-A3B5-0A75475EBA66}" type="datetimeFigureOut">
               <a:rPr lang="hr-HR" smtClean="0"/>
               <a:pPr/>
-              <a:t>13.10.2019.</a:t>
+              <a:t>14.10.2019.</a:t>
             </a:fld>
             <a:endParaRPr lang="hr-HR"/>
           </a:p>
@@ -1013,7 +1013,7 @@
             <a:fld id="{99A247F4-8497-4C19-A3B5-0A75475EBA66}" type="datetimeFigureOut">
               <a:rPr lang="hr-HR" smtClean="0"/>
               <a:pPr/>
-              <a:t>13.10.2019.</a:t>
+              <a:t>14.10.2019.</a:t>
             </a:fld>
             <a:endParaRPr lang="hr-HR"/>
           </a:p>
@@ -1457,7 +1457,7 @@
                 </a:solidFill>
               </a:rPr>
               <a:pPr/>
-              <a:t>13.10.2019.</a:t>
+              <a:t>14.10.2019.</a:t>
             </a:fld>
             <a:endParaRPr lang="hr-HR">
               <a:solidFill>
@@ -1659,7 +1659,7 @@
                 </a:solidFill>
               </a:rPr>
               <a:pPr/>
-              <a:t>13.10.2019.</a:t>
+              <a:t>14.10.2019.</a:t>
             </a:fld>
             <a:endParaRPr lang="hr-HR">
               <a:solidFill>
@@ -1937,7 +1937,7 @@
                 </a:solidFill>
               </a:rPr>
               <a:pPr/>
-              <a:t>13.10.2019.</a:t>
+              <a:t>14.10.2019.</a:t>
             </a:fld>
             <a:endParaRPr lang="hr-HR">
               <a:solidFill>
@@ -2257,7 +2257,7 @@
                 </a:solidFill>
               </a:rPr>
               <a:pPr/>
-              <a:t>13.10.2019.</a:t>
+              <a:t>14.10.2019.</a:t>
             </a:fld>
             <a:endParaRPr lang="hr-HR">
               <a:solidFill>
@@ -2711,7 +2711,7 @@
                 </a:solidFill>
               </a:rPr>
               <a:pPr/>
-              <a:t>13.10.2019.</a:t>
+              <a:t>14.10.2019.</a:t>
             </a:fld>
             <a:endParaRPr lang="hr-HR">
               <a:solidFill>
@@ -2861,7 +2861,7 @@
                 </a:solidFill>
               </a:rPr>
               <a:pPr/>
-              <a:t>13.10.2019.</a:t>
+              <a:t>14.10.2019.</a:t>
             </a:fld>
             <a:endParaRPr lang="hr-HR">
               <a:solidFill>
@@ -2988,7 +2988,7 @@
                 </a:solidFill>
               </a:rPr>
               <a:pPr/>
-              <a:t>13.10.2019.</a:t>
+              <a:t>14.10.2019.</a:t>
             </a:fld>
             <a:endParaRPr lang="hr-HR">
               <a:solidFill>
@@ -3483,7 +3483,7 @@
                 </a:solidFill>
               </a:rPr>
               <a:pPr/>
-              <a:t>13.10.2019.</a:t>
+              <a:t>14.10.2019.</a:t>
             </a:fld>
             <a:endParaRPr lang="hr-HR">
               <a:solidFill>
@@ -3768,7 +3768,7 @@
                 </a:solidFill>
               </a:rPr>
               <a:pPr/>
-              <a:t>13.10.2019.</a:t>
+              <a:t>14.10.2019.</a:t>
             </a:fld>
             <a:endParaRPr lang="hr-HR">
               <a:solidFill>
@@ -3970,7 +3970,7 @@
                 </a:solidFill>
               </a:rPr>
               <a:pPr/>
-              <a:t>13.10.2019.</a:t>
+              <a:t>14.10.2019.</a:t>
             </a:fld>
             <a:endParaRPr lang="hr-HR">
               <a:solidFill>
@@ -4182,7 +4182,7 @@
                 </a:solidFill>
               </a:rPr>
               <a:pPr/>
-              <a:t>13.10.2019.</a:t>
+              <a:t>14.10.2019.</a:t>
             </a:fld>
             <a:endParaRPr lang="hr-HR">
               <a:solidFill>
@@ -4454,7 +4454,7 @@
             <a:fld id="{99A247F4-8497-4C19-A3B5-0A75475EBA66}" type="datetimeFigureOut">
               <a:rPr lang="hr-HR" smtClean="0"/>
               <a:pPr/>
-              <a:t>13.10.2019.</a:t>
+              <a:t>14.10.2019.</a:t>
             </a:fld>
             <a:endParaRPr lang="hr-HR"/>
           </a:p>
@@ -4747,7 +4747,7 @@
             <a:fld id="{99A247F4-8497-4C19-A3B5-0A75475EBA66}" type="datetimeFigureOut">
               <a:rPr lang="hr-HR" smtClean="0"/>
               <a:pPr/>
-              <a:t>13.10.2019.</a:t>
+              <a:t>14.10.2019.</a:t>
             </a:fld>
             <a:endParaRPr lang="hr-HR"/>
           </a:p>
@@ -5174,7 +5174,7 @@
             <a:fld id="{99A247F4-8497-4C19-A3B5-0A75475EBA66}" type="datetimeFigureOut">
               <a:rPr lang="hr-HR" smtClean="0"/>
               <a:pPr/>
-              <a:t>13.10.2019.</a:t>
+              <a:t>14.10.2019.</a:t>
             </a:fld>
             <a:endParaRPr lang="hr-HR"/>
           </a:p>
@@ -5297,7 +5297,7 @@
             <a:fld id="{99A247F4-8497-4C19-A3B5-0A75475EBA66}" type="datetimeFigureOut">
               <a:rPr lang="hr-HR" smtClean="0"/>
               <a:pPr/>
-              <a:t>13.10.2019.</a:t>
+              <a:t>14.10.2019.</a:t>
             </a:fld>
             <a:endParaRPr lang="hr-HR"/>
           </a:p>
@@ -5397,7 +5397,7 @@
             <a:fld id="{99A247F4-8497-4C19-A3B5-0A75475EBA66}" type="datetimeFigureOut">
               <a:rPr lang="hr-HR" smtClean="0"/>
               <a:pPr/>
-              <a:t>13.10.2019.</a:t>
+              <a:t>14.10.2019.</a:t>
             </a:fld>
             <a:endParaRPr lang="hr-HR"/>
           </a:p>
@@ -5679,7 +5679,7 @@
             <a:fld id="{99A247F4-8497-4C19-A3B5-0A75475EBA66}" type="datetimeFigureOut">
               <a:rPr lang="hr-HR" smtClean="0"/>
               <a:pPr/>
-              <a:t>13.10.2019.</a:t>
+              <a:t>14.10.2019.</a:t>
             </a:fld>
             <a:endParaRPr lang="hr-HR"/>
           </a:p>
@@ -5937,7 +5937,7 @@
             <a:fld id="{99A247F4-8497-4C19-A3B5-0A75475EBA66}" type="datetimeFigureOut">
               <a:rPr lang="hr-HR" smtClean="0"/>
               <a:pPr/>
-              <a:t>13.10.2019.</a:t>
+              <a:t>14.10.2019.</a:t>
             </a:fld>
             <a:endParaRPr lang="hr-HR"/>
           </a:p>
@@ -6155,7 +6155,7 @@
             <a:fld id="{99A247F4-8497-4C19-A3B5-0A75475EBA66}" type="datetimeFigureOut">
               <a:rPr lang="hr-HR" smtClean="0"/>
               <a:pPr/>
-              <a:t>13.10.2019.</a:t>
+              <a:t>14.10.2019.</a:t>
             </a:fld>
             <a:endParaRPr lang="hr-HR"/>
           </a:p>
@@ -6677,7 +6677,7 @@
                 </a:solidFill>
               </a:rPr>
               <a:pPr/>
-              <a:t>13.10.2019.</a:t>
+              <a:t>14.10.2019.</a:t>
             </a:fld>
             <a:endParaRPr lang="hr-HR">
               <a:solidFill>
@@ -7617,7 +7617,7 @@
         <p:spPr>
           <a:xfrm>
             <a:off x="107504" y="574330"/>
-            <a:ext cx="8783078" cy="5951014"/>
+            <a:ext cx="9036496" cy="5951014"/>
           </a:xfrm>
         </p:spPr>
         <p:txBody>
@@ -7702,7 +7702,7 @@
             </a:r>
             <a:r>
               <a:rPr lang="hr-HR" sz="2200" dirty="0" smtClean="0"/>
-              <a:t>: 56 578 km² (more </a:t>
+              <a:t>: 56 594 km² (more </a:t>
             </a:r>
             <a:r>
               <a:rPr lang="hr-HR" sz="2200" dirty="0"/>
@@ -8117,7 +8117,15 @@
             </a:r>
             <a:r>
               <a:rPr lang="hr-HR" sz="2400" dirty="0" smtClean="0"/>
-              <a:t>:  56 578 km</a:t>
+              <a:t>:  </a:t>
+            </a:r>
+            <a:r>
+              <a:rPr lang="hr-HR" sz="2400" smtClean="0"/>
+              <a:t>56 594 </a:t>
+            </a:r>
+            <a:r>
+              <a:rPr lang="hr-HR" sz="2400" dirty="0" smtClean="0"/>
+              <a:t>km</a:t>
             </a:r>
             <a:r>
               <a:rPr lang="hr-HR" sz="2400" baseline="30000" dirty="0" smtClean="0"/>
